--- a/Connect4.pptx
+++ b/Connect4.pptx
@@ -5,7 +5,7 @@
     <p:sldMasterId id="2147483648" r:id="rId1"/>
   </p:sldMasterIdLst>
   <p:notesMasterIdLst>
-    <p:notesMasterId r:id="rId9"/>
+    <p:notesMasterId r:id="rId17"/>
   </p:notesMasterIdLst>
   <p:sldIdLst>
     <p:sldId id="256" r:id="rId2"/>
@@ -13,8 +13,16 @@
     <p:sldId id="258" r:id="rId4"/>
     <p:sldId id="259" r:id="rId5"/>
     <p:sldId id="260" r:id="rId6"/>
-    <p:sldId id="267" r:id="rId7"/>
-    <p:sldId id="266" r:id="rId8"/>
+    <p:sldId id="270" r:id="rId7"/>
+    <p:sldId id="271" r:id="rId8"/>
+    <p:sldId id="272" r:id="rId9"/>
+    <p:sldId id="273" r:id="rId10"/>
+    <p:sldId id="274" r:id="rId11"/>
+    <p:sldId id="275" r:id="rId12"/>
+    <p:sldId id="267" r:id="rId13"/>
+    <p:sldId id="268" r:id="rId14"/>
+    <p:sldId id="269" r:id="rId15"/>
+    <p:sldId id="266" r:id="rId16"/>
   </p:sldIdLst>
   <p:sldSz cx="12192000" cy="6858000"/>
   <p:notesSz cx="6858000" cy="9144000"/>
@@ -952,15 +960,47 @@
           <a:p>
             <a:r>
               <a:rPr lang="en-GB" dirty="0" smtClean="0"/>
-              <a:t>Suggest</a:t>
+              <a:t>Each node</a:t>
             </a:r>
             <a:r>
               <a:rPr lang="en-GB" baseline="0" dirty="0" smtClean="0"/>
-              <a:t> you use </a:t>
-            </a:r>
-            <a:r>
-              <a:rPr lang="en-GB" baseline="0" smtClean="0"/>
-              <a:t>unit tests</a:t>
+              <a:t> in the tree is a game position.</a:t>
+            </a:r>
+          </a:p>
+          <a:p>
+            <a:r>
+              <a:rPr lang="en-GB" baseline="0" dirty="0" smtClean="0"/>
+              <a:t>For the root node we have 7 possible moves.  So we have 7 branches</a:t>
+            </a:r>
+          </a:p>
+          <a:p>
+            <a:r>
+              <a:rPr lang="en-GB" baseline="0" dirty="0" smtClean="0"/>
+              <a:t>What is the maximum depth of the tree?  41</a:t>
+            </a:r>
+          </a:p>
+          <a:p>
+            <a:r>
+              <a:rPr lang="en-GB" baseline="0" dirty="0" smtClean="0"/>
+              <a:t>Upper bound of the tree size?  7 ^ 41</a:t>
+            </a:r>
+          </a:p>
+          <a:p>
+            <a:r>
+              <a:rPr lang="en-GB" baseline="0" dirty="0" smtClean="0"/>
+              <a:t>Draw max/min on different levels</a:t>
+            </a:r>
+          </a:p>
+          <a:p>
+            <a:r>
+              <a:rPr lang="en-GB" baseline="0" dirty="0" smtClean="0"/>
+              <a:t>Place values against leaf nodes</a:t>
+            </a:r>
+          </a:p>
+          <a:p>
+            <a:r>
+              <a:rPr lang="en-GB" baseline="0" dirty="0" smtClean="0"/>
+              <a:t>Work up</a:t>
             </a:r>
             <a:endParaRPr lang="en-GB" dirty="0"/>
           </a:p>
@@ -983,7 +1023,195 @@
           <a:p>
             <a:fld id="{723B45EE-AF0F-4566-84E6-937F0AB40E53}" type="slidenum">
               <a:rPr lang="en-GB" smtClean="0"/>
-              <a:t>7</a:t>
+              <a:t>13</a:t>
+            </a:fld>
+            <a:endParaRPr lang="en-GB"/>
+          </a:p>
+        </p:txBody>
+      </p:sp>
+    </p:spTree>
+    <p:extLst>
+      <p:ext uri="{BB962C8B-B14F-4D97-AF65-F5344CB8AC3E}">
+        <p14:creationId xmlns:p14="http://schemas.microsoft.com/office/powerpoint/2010/main" val="2280298299"/>
+      </p:ext>
+    </p:extLst>
+  </p:cSld>
+  <p:clrMapOvr>
+    <a:masterClrMapping/>
+  </p:clrMapOvr>
+</p:notes>
+</file>
+
+<file path=ppt/notesSlides/notesSlide7.xml><?xml version="1.0" encoding="utf-8"?>
+<p:notes xmlns:a="http://schemas.openxmlformats.org/drawingml/2006/main" xmlns:r="http://schemas.openxmlformats.org/officeDocument/2006/relationships" xmlns:p="http://schemas.openxmlformats.org/presentationml/2006/main">
+  <p:cSld>
+    <p:spTree>
+      <p:nvGrpSpPr>
+        <p:cNvPr id="1" name=""/>
+        <p:cNvGrpSpPr/>
+        <p:nvPr/>
+      </p:nvGrpSpPr>
+      <p:grpSpPr>
+        <a:xfrm>
+          <a:off x="0" y="0"/>
+          <a:ext cx="0" cy="0"/>
+          <a:chOff x="0" y="0"/>
+          <a:chExt cx="0" cy="0"/>
+        </a:xfrm>
+      </p:grpSpPr>
+      <p:sp>
+        <p:nvSpPr>
+          <p:cNvPr id="2" name="Slide Image Placeholder 1"/>
+          <p:cNvSpPr>
+            <a:spLocks noGrp="1" noRot="1" noChangeAspect="1"/>
+          </p:cNvSpPr>
+          <p:nvPr>
+            <p:ph type="sldImg"/>
+          </p:nvPr>
+        </p:nvSpPr>
+        <p:spPr/>
+      </p:sp>
+      <p:sp>
+        <p:nvSpPr>
+          <p:cNvPr id="3" name="Notes Placeholder 2"/>
+          <p:cNvSpPr>
+            <a:spLocks noGrp="1"/>
+          </p:cNvSpPr>
+          <p:nvPr>
+            <p:ph type="body" idx="1"/>
+          </p:nvPr>
+        </p:nvSpPr>
+        <p:spPr/>
+        <p:txBody>
+          <a:bodyPr/>
+          <a:lstStyle/>
+          <a:p>
+            <a:r>
+              <a:rPr lang="en-GB" dirty="0" smtClean="0"/>
+              <a:t>If you get time,  then this </a:t>
+            </a:r>
+            <a:r>
+              <a:rPr lang="en-GB" dirty="0" err="1" smtClean="0"/>
+              <a:t>optomisation</a:t>
+            </a:r>
+            <a:r>
+              <a:rPr lang="en-GB" dirty="0" smtClean="0"/>
+              <a:t> will speed up the</a:t>
+            </a:r>
+            <a:r>
+              <a:rPr lang="en-GB" baseline="0" dirty="0" smtClean="0"/>
+              <a:t> search dramatically.</a:t>
+            </a:r>
+            <a:endParaRPr lang="en-GB" dirty="0"/>
+          </a:p>
+        </p:txBody>
+      </p:sp>
+      <p:sp>
+        <p:nvSpPr>
+          <p:cNvPr id="4" name="Slide Number Placeholder 3"/>
+          <p:cNvSpPr>
+            <a:spLocks noGrp="1"/>
+          </p:cNvSpPr>
+          <p:nvPr>
+            <p:ph type="sldNum" sz="quarter" idx="10"/>
+          </p:nvPr>
+        </p:nvSpPr>
+        <p:spPr/>
+        <p:txBody>
+          <a:bodyPr/>
+          <a:lstStyle/>
+          <a:p>
+            <a:fld id="{723B45EE-AF0F-4566-84E6-937F0AB40E53}" type="slidenum">
+              <a:rPr lang="en-GB" smtClean="0"/>
+              <a:t>14</a:t>
+            </a:fld>
+            <a:endParaRPr lang="en-GB"/>
+          </a:p>
+        </p:txBody>
+      </p:sp>
+    </p:spTree>
+    <p:extLst>
+      <p:ext uri="{BB962C8B-B14F-4D97-AF65-F5344CB8AC3E}">
+        <p14:creationId xmlns:p14="http://schemas.microsoft.com/office/powerpoint/2010/main" val="2408779161"/>
+      </p:ext>
+    </p:extLst>
+  </p:cSld>
+  <p:clrMapOvr>
+    <a:masterClrMapping/>
+  </p:clrMapOvr>
+</p:notes>
+</file>
+
+<file path=ppt/notesSlides/notesSlide8.xml><?xml version="1.0" encoding="utf-8"?>
+<p:notes xmlns:a="http://schemas.openxmlformats.org/drawingml/2006/main" xmlns:r="http://schemas.openxmlformats.org/officeDocument/2006/relationships" xmlns:p="http://schemas.openxmlformats.org/presentationml/2006/main">
+  <p:cSld>
+    <p:spTree>
+      <p:nvGrpSpPr>
+        <p:cNvPr id="1" name=""/>
+        <p:cNvGrpSpPr/>
+        <p:nvPr/>
+      </p:nvGrpSpPr>
+      <p:grpSpPr>
+        <a:xfrm>
+          <a:off x="0" y="0"/>
+          <a:ext cx="0" cy="0"/>
+          <a:chOff x="0" y="0"/>
+          <a:chExt cx="0" cy="0"/>
+        </a:xfrm>
+      </p:grpSpPr>
+      <p:sp>
+        <p:nvSpPr>
+          <p:cNvPr id="2" name="Slide Image Placeholder 1"/>
+          <p:cNvSpPr>
+            <a:spLocks noGrp="1" noRot="1" noChangeAspect="1"/>
+          </p:cNvSpPr>
+          <p:nvPr>
+            <p:ph type="sldImg"/>
+          </p:nvPr>
+        </p:nvSpPr>
+        <p:spPr/>
+      </p:sp>
+      <p:sp>
+        <p:nvSpPr>
+          <p:cNvPr id="3" name="Notes Placeholder 2"/>
+          <p:cNvSpPr>
+            <a:spLocks noGrp="1"/>
+          </p:cNvSpPr>
+          <p:nvPr>
+            <p:ph type="body" idx="1"/>
+          </p:nvPr>
+        </p:nvSpPr>
+        <p:spPr/>
+        <p:txBody>
+          <a:bodyPr/>
+          <a:lstStyle/>
+          <a:p>
+            <a:r>
+              <a:rPr lang="en-GB" dirty="0" smtClean="0"/>
+              <a:t>Time permitting</a:t>
+            </a:r>
+            <a:endParaRPr lang="en-GB" dirty="0"/>
+          </a:p>
+        </p:txBody>
+      </p:sp>
+      <p:sp>
+        <p:nvSpPr>
+          <p:cNvPr id="4" name="Slide Number Placeholder 3"/>
+          <p:cNvSpPr>
+            <a:spLocks noGrp="1"/>
+          </p:cNvSpPr>
+          <p:nvPr>
+            <p:ph type="sldNum" sz="quarter" idx="10"/>
+          </p:nvPr>
+        </p:nvSpPr>
+        <p:spPr/>
+        <p:txBody>
+          <a:bodyPr/>
+          <a:lstStyle/>
+          <a:p>
+            <a:fld id="{723B45EE-AF0F-4566-84E6-937F0AB40E53}" type="slidenum">
+              <a:rPr lang="en-GB" smtClean="0"/>
+              <a:t>15</a:t>
             </a:fld>
             <a:endParaRPr lang="en-GB"/>
           </a:p>
@@ -3946,6 +4174,873 @@
 </p:sld>
 </file>
 
+<file path=ppt/slides/slide10.xml><?xml version="1.0" encoding="utf-8"?>
+<p:sld xmlns:a="http://schemas.openxmlformats.org/drawingml/2006/main" xmlns:r="http://schemas.openxmlformats.org/officeDocument/2006/relationships" xmlns:p="http://schemas.openxmlformats.org/presentationml/2006/main">
+  <p:cSld>
+    <p:spTree>
+      <p:nvGrpSpPr>
+        <p:cNvPr id="1" name=""/>
+        <p:cNvGrpSpPr/>
+        <p:nvPr/>
+      </p:nvGrpSpPr>
+      <p:grpSpPr>
+        <a:xfrm>
+          <a:off x="0" y="0"/>
+          <a:ext cx="0" cy="0"/>
+          <a:chOff x="0" y="0"/>
+          <a:chExt cx="0" cy="0"/>
+        </a:xfrm>
+      </p:grpSpPr>
+      <p:sp>
+        <p:nvSpPr>
+          <p:cNvPr id="2" name="Title 1"/>
+          <p:cNvSpPr>
+            <a:spLocks noGrp="1"/>
+          </p:cNvSpPr>
+          <p:nvPr>
+            <p:ph type="title"/>
+          </p:nvPr>
+        </p:nvSpPr>
+        <p:spPr>
+          <a:xfrm>
+            <a:off x="1143000" y="365126"/>
+            <a:ext cx="10210800" cy="745218"/>
+          </a:xfrm>
+        </p:spPr>
+        <p:txBody>
+          <a:bodyPr/>
+          <a:lstStyle/>
+          <a:p>
+            <a:r>
+              <a:rPr lang="en-GB" dirty="0"/>
+              <a:t>/</a:t>
+            </a:r>
+            <a:r>
+              <a:rPr lang="en-GB" dirty="0" err="1" smtClean="0"/>
+              <a:t>api</a:t>
+            </a:r>
+            <a:r>
+              <a:rPr lang="en-GB" dirty="0" smtClean="0"/>
+              <a:t>/</a:t>
+            </a:r>
+            <a:r>
+              <a:rPr lang="en-GB" dirty="0" err="1" smtClean="0"/>
+              <a:t>MakeMove</a:t>
+            </a:r>
+            <a:r>
+              <a:rPr lang="en-GB" dirty="0" smtClean="0"/>
+              <a:t>  [POST]</a:t>
+            </a:r>
+            <a:r>
+              <a:rPr lang="en-GB" dirty="0"/>
+              <a:t/>
+            </a:r>
+            <a:br>
+              <a:rPr lang="en-GB" dirty="0"/>
+            </a:br>
+            <a:endParaRPr lang="en-GB" dirty="0"/>
+          </a:p>
+        </p:txBody>
+      </p:sp>
+      <p:sp>
+        <p:nvSpPr>
+          <p:cNvPr id="3" name="Content Placeholder 2"/>
+          <p:cNvSpPr>
+            <a:spLocks noGrp="1"/>
+          </p:cNvSpPr>
+          <p:nvPr>
+            <p:ph idx="1"/>
+          </p:nvPr>
+        </p:nvSpPr>
+        <p:spPr>
+          <a:xfrm>
+            <a:off x="1143000" y="1230086"/>
+            <a:ext cx="10210800" cy="5355771"/>
+          </a:xfrm>
+        </p:spPr>
+        <p:txBody>
+          <a:bodyPr/>
+          <a:lstStyle/>
+          <a:p>
+            <a:pPr marL="0" indent="0">
+              <a:buNone/>
+            </a:pPr>
+            <a:r>
+              <a:rPr lang="en-GB" dirty="0" smtClean="0"/>
+              <a:t>Places your piece into a column</a:t>
+            </a:r>
+          </a:p>
+          <a:p>
+            <a:pPr marL="0" indent="0">
+              <a:buNone/>
+            </a:pPr>
+            <a:endParaRPr lang="en-GB" sz="2000" dirty="0" smtClean="0"/>
+          </a:p>
+          <a:p>
+            <a:pPr marL="0" indent="0">
+              <a:buNone/>
+            </a:pPr>
+            <a:r>
+              <a:rPr lang="en-GB" sz="2000" dirty="0" smtClean="0"/>
+              <a:t>Parameters:</a:t>
+            </a:r>
+          </a:p>
+          <a:p>
+            <a:r>
+              <a:rPr lang="en-GB" sz="2000" dirty="0" err="1" smtClean="0"/>
+              <a:t>PlayerID</a:t>
+            </a:r>
+            <a:endParaRPr lang="en-GB" sz="2000" dirty="0" smtClean="0"/>
+          </a:p>
+          <a:p>
+            <a:r>
+              <a:rPr lang="en-GB" sz="2000" dirty="0" err="1" smtClean="0"/>
+              <a:t>ColumnNumber</a:t>
+            </a:r>
+            <a:endParaRPr lang="en-GB" sz="2000" dirty="0" smtClean="0"/>
+          </a:p>
+          <a:p>
+            <a:r>
+              <a:rPr lang="en-GB" sz="2000" dirty="0" smtClean="0"/>
+              <a:t>Password</a:t>
+            </a:r>
+          </a:p>
+          <a:p>
+            <a:endParaRPr lang="en-GB" sz="2000" dirty="0" smtClean="0"/>
+          </a:p>
+          <a:p>
+            <a:pPr marL="0" indent="0">
+              <a:buNone/>
+            </a:pPr>
+            <a:r>
+              <a:rPr lang="en-GB" sz="2000" dirty="0" smtClean="0"/>
+              <a:t>Returns:</a:t>
+            </a:r>
+          </a:p>
+          <a:p>
+            <a:r>
+              <a:rPr lang="en-GB" sz="2000" dirty="0" smtClean="0"/>
+              <a:t>Nothing</a:t>
+            </a:r>
+          </a:p>
+          <a:p>
+            <a:pPr marL="0" indent="0">
+              <a:buNone/>
+            </a:pPr>
+            <a:endParaRPr lang="en-GB" dirty="0" smtClean="0"/>
+          </a:p>
+          <a:p>
+            <a:pPr marL="0" indent="0">
+              <a:buNone/>
+            </a:pPr>
+            <a:r>
+              <a:rPr lang="en-GB" dirty="0" smtClean="0"/>
+              <a:t>Example</a:t>
+            </a:r>
+          </a:p>
+          <a:p>
+            <a:pPr marL="0" indent="0">
+              <a:buNone/>
+            </a:pPr>
+            <a:r>
+              <a:rPr lang="en-GB" sz="2000" dirty="0" err="1" smtClean="0"/>
+              <a:t>api</a:t>
+            </a:r>
+            <a:r>
+              <a:rPr lang="en-GB" sz="2000" dirty="0" smtClean="0"/>
+              <a:t>/</a:t>
+            </a:r>
+            <a:r>
+              <a:rPr lang="en-GB" sz="2000" dirty="0" err="1" smtClean="0"/>
+              <a:t>MakeMove?playerID</a:t>
+            </a:r>
+            <a:r>
+              <a:rPr lang="en-GB" sz="2000" dirty="0" smtClean="0"/>
+              <a:t>=1234567&amp;ColumnNumber=2&amp;Password=secret</a:t>
+            </a:r>
+          </a:p>
+          <a:p>
+            <a:pPr marL="0" indent="0">
+              <a:buNone/>
+            </a:pPr>
+            <a:endParaRPr lang="en-GB" sz="2000" dirty="0"/>
+          </a:p>
+        </p:txBody>
+      </p:sp>
+    </p:spTree>
+    <p:extLst>
+      <p:ext uri="{BB962C8B-B14F-4D97-AF65-F5344CB8AC3E}">
+        <p14:creationId xmlns:p14="http://schemas.microsoft.com/office/powerpoint/2010/main" val="2351629257"/>
+      </p:ext>
+    </p:extLst>
+  </p:cSld>
+  <p:clrMapOvr>
+    <a:masterClrMapping/>
+  </p:clrMapOvr>
+  <p:timing>
+    <p:tnLst>
+      <p:par>
+        <p:cTn id="1" dur="indefinite" restart="never" nodeType="tmRoot"/>
+      </p:par>
+    </p:tnLst>
+  </p:timing>
+</p:sld>
+</file>
+
+<file path=ppt/slides/slide11.xml><?xml version="1.0" encoding="utf-8"?>
+<p:sld xmlns:a="http://schemas.openxmlformats.org/drawingml/2006/main" xmlns:r="http://schemas.openxmlformats.org/officeDocument/2006/relationships" xmlns:p="http://schemas.openxmlformats.org/presentationml/2006/main">
+  <p:cSld>
+    <p:spTree>
+      <p:nvGrpSpPr>
+        <p:cNvPr id="1" name=""/>
+        <p:cNvGrpSpPr/>
+        <p:nvPr/>
+      </p:nvGrpSpPr>
+      <p:grpSpPr>
+        <a:xfrm>
+          <a:off x="0" y="0"/>
+          <a:ext cx="0" cy="0"/>
+          <a:chOff x="0" y="0"/>
+          <a:chExt cx="0" cy="0"/>
+        </a:xfrm>
+      </p:grpSpPr>
+      <p:sp>
+        <p:nvSpPr>
+          <p:cNvPr id="2" name="Title 1"/>
+          <p:cNvSpPr>
+            <a:spLocks noGrp="1"/>
+          </p:cNvSpPr>
+          <p:nvPr>
+            <p:ph type="title"/>
+          </p:nvPr>
+        </p:nvSpPr>
+        <p:spPr>
+          <a:xfrm>
+            <a:off x="1143000" y="365126"/>
+            <a:ext cx="10210800" cy="745218"/>
+          </a:xfrm>
+        </p:spPr>
+        <p:txBody>
+          <a:bodyPr/>
+          <a:lstStyle/>
+          <a:p>
+            <a:r>
+              <a:rPr lang="en-GB" dirty="0"/>
+              <a:t>/</a:t>
+            </a:r>
+            <a:r>
+              <a:rPr lang="en-GB" dirty="0" err="1" smtClean="0"/>
+              <a:t>api</a:t>
+            </a:r>
+            <a:r>
+              <a:rPr lang="en-GB" dirty="0" smtClean="0"/>
+              <a:t>/</a:t>
+            </a:r>
+            <a:r>
+              <a:rPr lang="en-GB" dirty="0" err="1" smtClean="0"/>
+              <a:t>NewGame</a:t>
+            </a:r>
+            <a:r>
+              <a:rPr lang="en-GB" dirty="0" smtClean="0"/>
+              <a:t>  [POST]</a:t>
+            </a:r>
+            <a:r>
+              <a:rPr lang="en-GB" dirty="0"/>
+              <a:t/>
+            </a:r>
+            <a:br>
+              <a:rPr lang="en-GB" dirty="0"/>
+            </a:br>
+            <a:endParaRPr lang="en-GB" dirty="0"/>
+          </a:p>
+        </p:txBody>
+      </p:sp>
+      <p:sp>
+        <p:nvSpPr>
+          <p:cNvPr id="3" name="Content Placeholder 2"/>
+          <p:cNvSpPr>
+            <a:spLocks noGrp="1"/>
+          </p:cNvSpPr>
+          <p:nvPr>
+            <p:ph idx="1"/>
+          </p:nvPr>
+        </p:nvSpPr>
+        <p:spPr>
+          <a:xfrm>
+            <a:off x="1143000" y="1230086"/>
+            <a:ext cx="10210800" cy="5355771"/>
+          </a:xfrm>
+        </p:spPr>
+        <p:txBody>
+          <a:bodyPr/>
+          <a:lstStyle/>
+          <a:p>
+            <a:pPr marL="0" indent="0">
+              <a:buNone/>
+            </a:pPr>
+            <a:r>
+              <a:rPr lang="en-GB" dirty="0" smtClean="0"/>
+              <a:t>Clears the board</a:t>
+            </a:r>
+          </a:p>
+          <a:p>
+            <a:pPr marL="0" indent="0">
+              <a:buNone/>
+            </a:pPr>
+            <a:endParaRPr lang="en-GB" sz="2000" dirty="0" smtClean="0"/>
+          </a:p>
+          <a:p>
+            <a:pPr marL="0" indent="0">
+              <a:buNone/>
+            </a:pPr>
+            <a:r>
+              <a:rPr lang="en-GB" sz="2000" dirty="0" smtClean="0"/>
+              <a:t>Parameters:</a:t>
+            </a:r>
+          </a:p>
+          <a:p>
+            <a:r>
+              <a:rPr lang="en-GB" sz="2000" dirty="0" err="1" smtClean="0"/>
+              <a:t>PlayerID</a:t>
+            </a:r>
+            <a:endParaRPr lang="en-GB" sz="2000" dirty="0" smtClean="0"/>
+          </a:p>
+          <a:p>
+            <a:endParaRPr lang="en-GB" sz="2000" dirty="0" smtClean="0"/>
+          </a:p>
+          <a:p>
+            <a:pPr marL="0" indent="0">
+              <a:buNone/>
+            </a:pPr>
+            <a:r>
+              <a:rPr lang="en-GB" sz="2000" dirty="0" smtClean="0"/>
+              <a:t>Returns:</a:t>
+            </a:r>
+          </a:p>
+          <a:p>
+            <a:r>
+              <a:rPr lang="en-GB" sz="2000" dirty="0" smtClean="0"/>
+              <a:t>Nothing</a:t>
+            </a:r>
+          </a:p>
+          <a:p>
+            <a:pPr marL="0" indent="0">
+              <a:buNone/>
+            </a:pPr>
+            <a:endParaRPr lang="en-GB" dirty="0" smtClean="0"/>
+          </a:p>
+          <a:p>
+            <a:pPr marL="0" indent="0">
+              <a:buNone/>
+            </a:pPr>
+            <a:r>
+              <a:rPr lang="en-GB" dirty="0" smtClean="0"/>
+              <a:t>Example</a:t>
+            </a:r>
+          </a:p>
+          <a:p>
+            <a:pPr marL="0" indent="0">
+              <a:buNone/>
+            </a:pPr>
+            <a:r>
+              <a:rPr lang="en-GB" sz="2000" dirty="0" err="1" smtClean="0"/>
+              <a:t>api</a:t>
+            </a:r>
+            <a:r>
+              <a:rPr lang="en-GB" sz="2000" dirty="0" smtClean="0"/>
+              <a:t>/</a:t>
+            </a:r>
+            <a:r>
+              <a:rPr lang="en-GB" sz="2000" dirty="0" err="1" smtClean="0"/>
+              <a:t>NewGame?playerID</a:t>
+            </a:r>
+            <a:r>
+              <a:rPr lang="en-GB" sz="2000" dirty="0" smtClean="0"/>
+              <a:t>=1234567</a:t>
+            </a:r>
+          </a:p>
+          <a:p>
+            <a:pPr marL="0" indent="0">
+              <a:buNone/>
+            </a:pPr>
+            <a:endParaRPr lang="en-GB" sz="2000" dirty="0"/>
+          </a:p>
+        </p:txBody>
+      </p:sp>
+    </p:spTree>
+    <p:extLst>
+      <p:ext uri="{BB962C8B-B14F-4D97-AF65-F5344CB8AC3E}">
+        <p14:creationId xmlns:p14="http://schemas.microsoft.com/office/powerpoint/2010/main" val="3696009913"/>
+      </p:ext>
+    </p:extLst>
+  </p:cSld>
+  <p:clrMapOvr>
+    <a:masterClrMapping/>
+  </p:clrMapOvr>
+  <p:timing>
+    <p:tnLst>
+      <p:par>
+        <p:cTn id="1" dur="indefinite" restart="never" nodeType="tmRoot"/>
+      </p:par>
+    </p:tnLst>
+  </p:timing>
+</p:sld>
+</file>
+
+<file path=ppt/slides/slide12.xml><?xml version="1.0" encoding="utf-8"?>
+<p:sld xmlns:a="http://schemas.openxmlformats.org/drawingml/2006/main" xmlns:r="http://schemas.openxmlformats.org/officeDocument/2006/relationships" xmlns:p="http://schemas.openxmlformats.org/presentationml/2006/main">
+  <p:cSld>
+    <p:spTree>
+      <p:nvGrpSpPr>
+        <p:cNvPr id="1" name=""/>
+        <p:cNvGrpSpPr/>
+        <p:nvPr/>
+      </p:nvGrpSpPr>
+      <p:grpSpPr>
+        <a:xfrm>
+          <a:off x="0" y="0"/>
+          <a:ext cx="0" cy="0"/>
+          <a:chOff x="0" y="0"/>
+          <a:chExt cx="0" cy="0"/>
+        </a:xfrm>
+      </p:grpSpPr>
+      <p:sp>
+        <p:nvSpPr>
+          <p:cNvPr id="2" name="Title 1"/>
+          <p:cNvSpPr>
+            <a:spLocks noGrp="1"/>
+          </p:cNvSpPr>
+          <p:nvPr>
+            <p:ph type="title"/>
+          </p:nvPr>
+        </p:nvSpPr>
+        <p:spPr>
+          <a:xfrm>
+            <a:off x="1460310" y="365125"/>
+            <a:ext cx="9893490" cy="1325563"/>
+          </a:xfrm>
+        </p:spPr>
+        <p:txBody>
+          <a:bodyPr/>
+          <a:lstStyle/>
+          <a:p>
+            <a:r>
+              <a:rPr lang="en-GB" dirty="0" smtClean="0"/>
+              <a:t>Techniques</a:t>
+            </a:r>
+            <a:endParaRPr lang="en-GB" dirty="0"/>
+          </a:p>
+        </p:txBody>
+      </p:sp>
+      <p:sp>
+        <p:nvSpPr>
+          <p:cNvPr id="3" name="Content Placeholder 2"/>
+          <p:cNvSpPr>
+            <a:spLocks noGrp="1"/>
+          </p:cNvSpPr>
+          <p:nvPr>
+            <p:ph idx="1"/>
+          </p:nvPr>
+        </p:nvSpPr>
+        <p:spPr>
+          <a:xfrm>
+            <a:off x="1569492" y="1825625"/>
+            <a:ext cx="9784307" cy="4351338"/>
+          </a:xfrm>
+        </p:spPr>
+        <p:txBody>
+          <a:bodyPr/>
+          <a:lstStyle/>
+          <a:p>
+            <a:r>
+              <a:rPr lang="en-GB" dirty="0" smtClean="0"/>
+              <a:t>Random Play</a:t>
+            </a:r>
+          </a:p>
+          <a:p>
+            <a:r>
+              <a:rPr lang="en-GB" dirty="0" smtClean="0"/>
+              <a:t>Systematic (left to right)</a:t>
+            </a:r>
+          </a:p>
+          <a:p>
+            <a:r>
+              <a:rPr lang="en-GB" dirty="0" smtClean="0"/>
+              <a:t>Logical thinking</a:t>
+            </a:r>
+          </a:p>
+          <a:p>
+            <a:r>
+              <a:rPr lang="en-GB" dirty="0" smtClean="0"/>
+              <a:t>Minimax</a:t>
+            </a:r>
+          </a:p>
+          <a:p>
+            <a:r>
+              <a:rPr lang="en-GB" dirty="0" smtClean="0"/>
+              <a:t>Minimax with Alpha-Beta pruning</a:t>
+            </a:r>
+          </a:p>
+          <a:p>
+            <a:r>
+              <a:rPr lang="en-GB" dirty="0" smtClean="0"/>
+              <a:t>Monte-</a:t>
+            </a:r>
+            <a:r>
+              <a:rPr lang="en-GB" dirty="0" err="1" smtClean="0"/>
+              <a:t>carlo</a:t>
+            </a:r>
+            <a:r>
+              <a:rPr lang="en-GB" dirty="0" smtClean="0"/>
+              <a:t>?</a:t>
+            </a:r>
+          </a:p>
+          <a:p>
+            <a:endParaRPr lang="en-GB" dirty="0"/>
+          </a:p>
+        </p:txBody>
+      </p:sp>
+    </p:spTree>
+    <p:extLst>
+      <p:ext uri="{BB962C8B-B14F-4D97-AF65-F5344CB8AC3E}">
+        <p14:creationId xmlns:p14="http://schemas.microsoft.com/office/powerpoint/2010/main" val="1605142803"/>
+      </p:ext>
+    </p:extLst>
+  </p:cSld>
+  <p:clrMapOvr>
+    <a:masterClrMapping/>
+  </p:clrMapOvr>
+  <p:timing>
+    <p:tnLst>
+      <p:par>
+        <p:cTn id="1" dur="indefinite" restart="never" nodeType="tmRoot"/>
+      </p:par>
+    </p:tnLst>
+  </p:timing>
+</p:sld>
+</file>
+
+<file path=ppt/slides/slide13.xml><?xml version="1.0" encoding="utf-8"?>
+<p:sld xmlns:a="http://schemas.openxmlformats.org/drawingml/2006/main" xmlns:r="http://schemas.openxmlformats.org/officeDocument/2006/relationships" xmlns:p="http://schemas.openxmlformats.org/presentationml/2006/main">
+  <p:cSld>
+    <p:spTree>
+      <p:nvGrpSpPr>
+        <p:cNvPr id="1" name=""/>
+        <p:cNvGrpSpPr/>
+        <p:nvPr/>
+      </p:nvGrpSpPr>
+      <p:grpSpPr>
+        <a:xfrm>
+          <a:off x="0" y="0"/>
+          <a:ext cx="0" cy="0"/>
+          <a:chOff x="0" y="0"/>
+          <a:chExt cx="0" cy="0"/>
+        </a:xfrm>
+      </p:grpSpPr>
+      <p:sp>
+        <p:nvSpPr>
+          <p:cNvPr id="2" name="Title 1"/>
+          <p:cNvSpPr>
+            <a:spLocks noGrp="1"/>
+          </p:cNvSpPr>
+          <p:nvPr>
+            <p:ph type="title"/>
+          </p:nvPr>
+        </p:nvSpPr>
+        <p:spPr>
+          <a:xfrm>
+            <a:off x="1415142" y="365125"/>
+            <a:ext cx="9938657" cy="1325563"/>
+          </a:xfrm>
+        </p:spPr>
+        <p:txBody>
+          <a:bodyPr/>
+          <a:lstStyle/>
+          <a:p>
+            <a:r>
+              <a:rPr lang="en-GB" dirty="0" smtClean="0"/>
+              <a:t>Minimax</a:t>
+            </a:r>
+            <a:endParaRPr lang="en-GB" dirty="0"/>
+          </a:p>
+        </p:txBody>
+      </p:sp>
+      <p:pic>
+        <p:nvPicPr>
+          <p:cNvPr id="4" name="Content Placeholder 3"/>
+          <p:cNvPicPr>
+            <a:picLocks noGrp="1" noChangeAspect="1"/>
+          </p:cNvPicPr>
+          <p:nvPr>
+            <p:ph idx="1"/>
+          </p:nvPr>
+        </p:nvPicPr>
+        <p:blipFill>
+          <a:blip r:embed="rId3"/>
+          <a:stretch>
+            <a:fillRect/>
+          </a:stretch>
+        </p:blipFill>
+        <p:spPr>
+          <a:xfrm>
+            <a:off x="3374459" y="1690688"/>
+            <a:ext cx="4572000" cy="4171950"/>
+          </a:xfrm>
+          <a:prstGeom prst="rect">
+            <a:avLst/>
+          </a:prstGeom>
+        </p:spPr>
+      </p:pic>
+    </p:spTree>
+    <p:extLst>
+      <p:ext uri="{BB962C8B-B14F-4D97-AF65-F5344CB8AC3E}">
+        <p14:creationId xmlns:p14="http://schemas.microsoft.com/office/powerpoint/2010/main" val="2554046382"/>
+      </p:ext>
+    </p:extLst>
+  </p:cSld>
+  <p:clrMapOvr>
+    <a:masterClrMapping/>
+  </p:clrMapOvr>
+  <p:timing>
+    <p:tnLst>
+      <p:par>
+        <p:cTn id="1" dur="indefinite" restart="never" nodeType="tmRoot"/>
+      </p:par>
+    </p:tnLst>
+  </p:timing>
+</p:sld>
+</file>
+
+<file path=ppt/slides/slide14.xml><?xml version="1.0" encoding="utf-8"?>
+<p:sld xmlns:a="http://schemas.openxmlformats.org/drawingml/2006/main" xmlns:r="http://schemas.openxmlformats.org/officeDocument/2006/relationships" xmlns:p="http://schemas.openxmlformats.org/presentationml/2006/main">
+  <p:cSld>
+    <p:spTree>
+      <p:nvGrpSpPr>
+        <p:cNvPr id="1" name=""/>
+        <p:cNvGrpSpPr/>
+        <p:nvPr/>
+      </p:nvGrpSpPr>
+      <p:grpSpPr>
+        <a:xfrm>
+          <a:off x="0" y="0"/>
+          <a:ext cx="0" cy="0"/>
+          <a:chOff x="0" y="0"/>
+          <a:chExt cx="0" cy="0"/>
+        </a:xfrm>
+      </p:grpSpPr>
+      <p:sp>
+        <p:nvSpPr>
+          <p:cNvPr id="2" name="Title 1"/>
+          <p:cNvSpPr>
+            <a:spLocks noGrp="1"/>
+          </p:cNvSpPr>
+          <p:nvPr>
+            <p:ph type="title"/>
+          </p:nvPr>
+        </p:nvSpPr>
+        <p:spPr>
+          <a:xfrm>
+            <a:off x="1349828" y="365125"/>
+            <a:ext cx="10003971" cy="1325563"/>
+          </a:xfrm>
+        </p:spPr>
+        <p:txBody>
+          <a:bodyPr/>
+          <a:lstStyle/>
+          <a:p>
+            <a:r>
+              <a:rPr lang="en-GB" dirty="0" err="1" smtClean="0"/>
+              <a:t>Alphabeta</a:t>
+            </a:r>
+            <a:endParaRPr lang="en-GB" dirty="0"/>
+          </a:p>
+        </p:txBody>
+      </p:sp>
+      <p:sp>
+        <p:nvSpPr>
+          <p:cNvPr id="3" name="Content Placeholder 2"/>
+          <p:cNvSpPr>
+            <a:spLocks noGrp="1"/>
+          </p:cNvSpPr>
+          <p:nvPr>
+            <p:ph idx="1"/>
+          </p:nvPr>
+        </p:nvSpPr>
+        <p:spPr/>
+        <p:txBody>
+          <a:bodyPr/>
+          <a:lstStyle/>
+          <a:p>
+            <a:endParaRPr lang="en-GB"/>
+          </a:p>
+        </p:txBody>
+      </p:sp>
+      <p:pic>
+        <p:nvPicPr>
+          <p:cNvPr id="4" name="Picture 3"/>
+          <p:cNvPicPr>
+            <a:picLocks noChangeAspect="1"/>
+          </p:cNvPicPr>
+          <p:nvPr/>
+        </p:nvPicPr>
+        <p:blipFill>
+          <a:blip r:embed="rId3"/>
+          <a:stretch>
+            <a:fillRect/>
+          </a:stretch>
+        </p:blipFill>
+        <p:spPr>
+          <a:xfrm>
+            <a:off x="2898322" y="1939925"/>
+            <a:ext cx="5981700" cy="4371975"/>
+          </a:xfrm>
+          <a:prstGeom prst="rect">
+            <a:avLst/>
+          </a:prstGeom>
+        </p:spPr>
+      </p:pic>
+    </p:spTree>
+    <p:extLst>
+      <p:ext uri="{BB962C8B-B14F-4D97-AF65-F5344CB8AC3E}">
+        <p14:creationId xmlns:p14="http://schemas.microsoft.com/office/powerpoint/2010/main" val="1298924144"/>
+      </p:ext>
+    </p:extLst>
+  </p:cSld>
+  <p:clrMapOvr>
+    <a:masterClrMapping/>
+  </p:clrMapOvr>
+  <p:timing>
+    <p:tnLst>
+      <p:par>
+        <p:cTn id="1" dur="indefinite" restart="never" nodeType="tmRoot"/>
+      </p:par>
+    </p:tnLst>
+  </p:timing>
+</p:sld>
+</file>
+
+<file path=ppt/slides/slide15.xml><?xml version="1.0" encoding="utf-8"?>
+<p:sld xmlns:a="http://schemas.openxmlformats.org/drawingml/2006/main" xmlns:r="http://schemas.openxmlformats.org/officeDocument/2006/relationships" xmlns:p="http://schemas.openxmlformats.org/presentationml/2006/main">
+  <p:cSld>
+    <p:spTree>
+      <p:nvGrpSpPr>
+        <p:cNvPr id="1" name=""/>
+        <p:cNvGrpSpPr/>
+        <p:nvPr/>
+      </p:nvGrpSpPr>
+      <p:grpSpPr>
+        <a:xfrm>
+          <a:off x="0" y="0"/>
+          <a:ext cx="0" cy="0"/>
+          <a:chOff x="0" y="0"/>
+          <a:chExt cx="0" cy="0"/>
+        </a:xfrm>
+      </p:grpSpPr>
+      <p:sp>
+        <p:nvSpPr>
+          <p:cNvPr id="2" name="Title 1"/>
+          <p:cNvSpPr>
+            <a:spLocks noGrp="1"/>
+          </p:cNvSpPr>
+          <p:nvPr>
+            <p:ph type="title"/>
+          </p:nvPr>
+        </p:nvSpPr>
+        <p:spPr>
+          <a:xfrm>
+            <a:off x="1310184" y="365125"/>
+            <a:ext cx="10043615" cy="1325563"/>
+          </a:xfrm>
+        </p:spPr>
+        <p:txBody>
+          <a:bodyPr/>
+          <a:lstStyle/>
+          <a:p>
+            <a:r>
+              <a:rPr lang="en-GB" dirty="0" smtClean="0"/>
+              <a:t>Exercises</a:t>
+            </a:r>
+            <a:endParaRPr lang="en-GB" dirty="0"/>
+          </a:p>
+        </p:txBody>
+      </p:sp>
+      <p:sp>
+        <p:nvSpPr>
+          <p:cNvPr id="3" name="Content Placeholder 2"/>
+          <p:cNvSpPr>
+            <a:spLocks noGrp="1"/>
+          </p:cNvSpPr>
+          <p:nvPr>
+            <p:ph idx="1"/>
+          </p:nvPr>
+        </p:nvSpPr>
+        <p:spPr>
+          <a:xfrm>
+            <a:off x="1555844" y="1825625"/>
+            <a:ext cx="9797955" cy="4351338"/>
+          </a:xfrm>
+        </p:spPr>
+        <p:txBody>
+          <a:bodyPr/>
+          <a:lstStyle/>
+          <a:p>
+            <a:r>
+              <a:rPr lang="en-GB" dirty="0" smtClean="0"/>
+              <a:t>Pair Up</a:t>
+            </a:r>
+          </a:p>
+          <a:p>
+            <a:endParaRPr lang="en-GB" dirty="0"/>
+          </a:p>
+          <a:p>
+            <a:r>
+              <a:rPr lang="en-GB" dirty="0" smtClean="0"/>
+              <a:t>Play against the server</a:t>
+            </a:r>
+            <a:endParaRPr lang="en-GB" dirty="0" smtClean="0"/>
+          </a:p>
+          <a:p>
+            <a:endParaRPr lang="en-GB" dirty="0" smtClean="0"/>
+          </a:p>
+          <a:p>
+            <a:r>
+              <a:rPr lang="en-GB" dirty="0" smtClean="0"/>
+              <a:t>Show / Contest?  </a:t>
+            </a:r>
+            <a:endParaRPr lang="en-GB" dirty="0" smtClean="0"/>
+          </a:p>
+          <a:p>
+            <a:endParaRPr lang="en-GB" dirty="0" smtClean="0"/>
+          </a:p>
+          <a:p>
+            <a:r>
+              <a:rPr lang="en-GB" dirty="0" smtClean="0"/>
+              <a:t>Pub</a:t>
+            </a:r>
+            <a:endParaRPr lang="en-GB" dirty="0"/>
+          </a:p>
+        </p:txBody>
+      </p:sp>
+    </p:spTree>
+    <p:extLst>
+      <p:ext uri="{BB962C8B-B14F-4D97-AF65-F5344CB8AC3E}">
+        <p14:creationId xmlns:p14="http://schemas.microsoft.com/office/powerpoint/2010/main" val="976035452"/>
+      </p:ext>
+    </p:extLst>
+  </p:cSld>
+  <p:clrMapOvr>
+    <a:masterClrMapping/>
+  </p:clrMapOvr>
+  <p:timing>
+    <p:tnLst>
+      <p:par>
+        <p:cTn id="1" dur="indefinite" restart="never" nodeType="tmRoot"/>
+      </p:par>
+    </p:tnLst>
+  </p:timing>
+</p:sld>
+</file>
+
 <file path=ppt/slides/slide2.xml><?xml version="1.0" encoding="utf-8"?>
 <p:sld xmlns:a="http://schemas.openxmlformats.org/drawingml/2006/main" xmlns:r="http://schemas.openxmlformats.org/officeDocument/2006/relationships" xmlns:p="http://schemas.openxmlformats.org/presentationml/2006/main">
   <p:cSld>
@@ -3985,11 +5080,7 @@
           <a:p>
             <a:r>
               <a:rPr lang="en-GB" dirty="0" smtClean="0"/>
-              <a:t>The </a:t>
-            </a:r>
-            <a:r>
-              <a:rPr lang="en-GB" dirty="0" smtClean="0"/>
-              <a:t>classic game</a:t>
+              <a:t>The classic game</a:t>
             </a:r>
             <a:endParaRPr lang="en-GB" dirty="0"/>
           </a:p>
@@ -4007,17 +5098,17 @@
         </p:nvSpPr>
         <p:spPr>
           <a:xfrm>
-            <a:off x="1395046" y="1825625"/>
-            <a:ext cx="9958754" cy="4351338"/>
-          </a:xfrm>
-        </p:spPr>
-        <p:txBody>
-          <a:bodyPr/>
-          <a:lstStyle/>
-          <a:p>
-            <a:r>
-              <a:rPr lang="en-GB" dirty="0" smtClean="0"/>
-              <a:t>Players take it in turns to place a counter</a:t>
+            <a:off x="1395046" y="1251857"/>
+            <a:ext cx="9958754" cy="4925106"/>
+          </a:xfrm>
+        </p:spPr>
+        <p:txBody>
+          <a:bodyPr/>
+          <a:lstStyle/>
+          <a:p>
+            <a:r>
+              <a:rPr lang="en-GB" dirty="0" smtClean="0"/>
+              <a:t>One player is red,  the other yellow</a:t>
             </a:r>
           </a:p>
           <a:p>
@@ -4026,6 +5117,24 @@
           <a:p>
             <a:r>
               <a:rPr lang="en-GB" dirty="0" smtClean="0"/>
+              <a:t>Players </a:t>
+            </a:r>
+            <a:r>
+              <a:rPr lang="en-GB" dirty="0" smtClean="0"/>
+              <a:t>take it in turns to place a </a:t>
+            </a:r>
+            <a:r>
+              <a:rPr lang="en-GB" dirty="0" smtClean="0"/>
+              <a:t>counter into a column</a:t>
+            </a:r>
+            <a:endParaRPr lang="en-GB" dirty="0" smtClean="0"/>
+          </a:p>
+          <a:p>
+            <a:endParaRPr lang="en-GB" dirty="0" smtClean="0"/>
+          </a:p>
+          <a:p>
+            <a:r>
+              <a:rPr lang="en-GB" dirty="0" smtClean="0"/>
               <a:t>Yellow goes first</a:t>
             </a:r>
           </a:p>
@@ -4046,7 +5155,6 @@
               <a:rPr lang="en-GB" dirty="0" smtClean="0"/>
               <a:t>The board is 7 columns by 6 rows</a:t>
             </a:r>
-            <a:endParaRPr lang="en-GB" dirty="0" smtClean="0"/>
           </a:p>
           <a:p>
             <a:endParaRPr lang="en-GB" dirty="0" smtClean="0"/>
@@ -4279,6 +5387,55 @@
                       </p:childTnLst>
                     </p:cTn>
                   </p:par>
+                  <p:par>
+                    <p:cTn id="19" fill="hold">
+                      <p:stCondLst>
+                        <p:cond delay="indefinite"/>
+                      </p:stCondLst>
+                      <p:childTnLst>
+                        <p:par>
+                          <p:cTn id="20" fill="hold">
+                            <p:stCondLst>
+                              <p:cond delay="0"/>
+                            </p:stCondLst>
+                            <p:childTnLst>
+                              <p:par>
+                                <p:cTn id="21" presetID="1" presetClass="entr" presetSubtype="0" fill="hold" nodeType="clickEffect">
+                                  <p:stCondLst>
+                                    <p:cond delay="0"/>
+                                  </p:stCondLst>
+                                  <p:childTnLst>
+                                    <p:set>
+                                      <p:cBhvr>
+                                        <p:cTn id="22" dur="1" fill="hold">
+                                          <p:stCondLst>
+                                            <p:cond delay="0"/>
+                                          </p:stCondLst>
+                                        </p:cTn>
+                                        <p:tgtEl>
+                                          <p:spTgt spid="3">
+                                            <p:txEl>
+                                              <p:pRg st="8" end="8"/>
+                                            </p:txEl>
+                                          </p:spTgt>
+                                        </p:tgtEl>
+                                        <p:attrNameLst>
+                                          <p:attrName>style.visibility</p:attrName>
+                                        </p:attrNameLst>
+                                      </p:cBhvr>
+                                      <p:to>
+                                        <p:strVal val="visible"/>
+                                      </p:to>
+                                    </p:set>
+                                  </p:childTnLst>
+                                </p:cTn>
+                              </p:par>
+                            </p:childTnLst>
+                          </p:cTn>
+                        </p:par>
+                      </p:childTnLst>
+                    </p:cTn>
+                  </p:par>
                 </p:childTnLst>
               </p:cTn>
               <p:prevCondLst>
@@ -4394,7 +5551,6 @@
               <a:rPr lang="en-GB" dirty="0" smtClean="0"/>
               <a:t>The API calls are made using html GET and POST commands</a:t>
             </a:r>
-            <a:endParaRPr lang="en-GB" dirty="0" smtClean="0"/>
           </a:p>
           <a:p>
             <a:pPr marL="0" indent="0">
@@ -4613,7 +5769,11 @@
           <a:p>
             <a:r>
               <a:rPr lang="en-GB" dirty="0" smtClean="0"/>
-              <a:t>The API</a:t>
+              <a:t>The </a:t>
+            </a:r>
+            <a:r>
+              <a:rPr lang="en-GB" dirty="0" smtClean="0"/>
+              <a:t>Steps</a:t>
             </a:r>
             <a:endParaRPr lang="en-GB" dirty="0"/>
           </a:p>
@@ -4653,7 +5813,6 @@
               <a:rPr lang="en-GB" dirty="0" smtClean="0"/>
               <a:t>    </a:t>
             </a:r>
-            <a:endParaRPr lang="en-GB" dirty="0" smtClean="0"/>
           </a:p>
           <a:p>
             <a:pPr marL="457200" lvl="1" indent="-457200">
@@ -4668,8 +5827,8 @@
               <a:t>Choose a name (and password) for your team.  Then ‘Post’ to </a:t>
             </a:r>
             <a:r>
-              <a:rPr lang="en-GB" dirty="0" err="1" smtClean="0"/>
-              <a:t>RegisterTeam</a:t>
+              <a:rPr lang="en-GB" dirty="0"/>
+              <a:t>Register</a:t>
             </a:r>
             <a:endParaRPr lang="en-GB" dirty="0" smtClean="0"/>
           </a:p>
@@ -4696,7 +5855,11 @@
             </a:pPr>
             <a:r>
               <a:rPr lang="en-GB" dirty="0" smtClean="0"/>
-              <a:t>Make your move</a:t>
+              <a:t>If it is your term then make </a:t>
+            </a:r>
+            <a:r>
+              <a:rPr lang="en-GB" dirty="0" smtClean="0"/>
+              <a:t>your move</a:t>
             </a:r>
           </a:p>
           <a:p>
@@ -4711,7 +5874,6 @@
               <a:rPr lang="en-GB" dirty="0" smtClean="0"/>
               <a:t>Repeat from step 2 </a:t>
             </a:r>
-            <a:endParaRPr lang="en-GB" dirty="0" smtClean="0"/>
           </a:p>
           <a:p>
             <a:endParaRPr lang="en-GB" dirty="0"/>
@@ -4813,9 +5975,24 @@
               <a:buNone/>
             </a:pPr>
             <a:r>
-              <a:rPr lang="en-GB" dirty="0" smtClean="0"/>
-              <a:t>.</a:t>
-            </a:r>
+              <a:rPr lang="en-GB" sz="2000" dirty="0">
+                <a:hlinkClick r:id="rId3"/>
+              </a:rPr>
+              <a:t>https://</a:t>
+            </a:r>
+            <a:r>
+              <a:rPr lang="en-GB" sz="2000" dirty="0" smtClean="0">
+                <a:hlinkClick r:id="rId3"/>
+              </a:rPr>
+              <a:t>github.com/YorkCodeDojo/Connect4/tree/master/Connect4.ExampleBot</a:t>
+            </a:r>
+            <a:endParaRPr lang="en-GB" sz="2000" dirty="0" smtClean="0"/>
+          </a:p>
+          <a:p>
+            <a:pPr marL="0" indent="0">
+              <a:buNone/>
+            </a:pPr>
+            <a:endParaRPr lang="en-GB" sz="2000" dirty="0" smtClean="0"/>
           </a:p>
           <a:p>
             <a:r>
@@ -4824,7 +6001,15 @@
             </a:r>
             <a:r>
               <a:rPr lang="en-GB" dirty="0" smtClean="0"/>
-              <a:t>nd some handouts if you want to start from scratch</a:t>
+              <a:t>nd some </a:t>
+            </a:r>
+            <a:r>
+              <a:rPr lang="en-GB" dirty="0" smtClean="0"/>
+              <a:t>details in these slides </a:t>
+            </a:r>
+            <a:r>
+              <a:rPr lang="en-GB" dirty="0" smtClean="0"/>
+              <a:t>if you want to start from scratch</a:t>
             </a:r>
           </a:p>
           <a:p>
@@ -4833,7 +6018,28 @@
           <a:p>
             <a:r>
               <a:rPr lang="en-GB" dirty="0" smtClean="0"/>
-              <a:t>Online help (swagger)</a:t>
+              <a:t>Online help (swagger</a:t>
+            </a:r>
+            <a:r>
+              <a:rPr lang="en-GB" dirty="0" smtClean="0"/>
+              <a:t>)</a:t>
+            </a:r>
+          </a:p>
+          <a:p>
+            <a:pPr marL="0" indent="0">
+              <a:buNone/>
+            </a:pPr>
+            <a:r>
+              <a:rPr lang="en-GB" dirty="0" smtClean="0"/>
+              <a:t>http</a:t>
+            </a:r>
+            <a:r>
+              <a:rPr lang="en-GB" dirty="0"/>
+              <a:t>://</a:t>
+            </a:r>
+            <a:r>
+              <a:rPr lang="en-GB" dirty="0" smtClean="0"/>
+              <a:t>yorkdojoconnect4.azurewebsites.net/swagger</a:t>
             </a:r>
             <a:endParaRPr lang="en-GB" dirty="0"/>
           </a:p>
@@ -4852,226 +6058,7 @@
   <p:timing>
     <p:tnLst>
       <p:par>
-        <p:cTn id="1" dur="indefinite" restart="never" nodeType="tmRoot">
-          <p:childTnLst>
-            <p:seq concurrent="1" nextAc="seek">
-              <p:cTn id="2" dur="indefinite" nodeType="mainSeq">
-                <p:childTnLst>
-                  <p:par>
-                    <p:cTn id="3" fill="hold">
-                      <p:stCondLst>
-                        <p:cond delay="indefinite"/>
-                      </p:stCondLst>
-                      <p:childTnLst>
-                        <p:par>
-                          <p:cTn id="4" fill="hold">
-                            <p:stCondLst>
-                              <p:cond delay="0"/>
-                            </p:stCondLst>
-                            <p:childTnLst>
-                              <p:par>
-                                <p:cTn id="5" presetID="1" presetClass="entr" presetSubtype="0" fill="hold" nodeType="clickEffect">
-                                  <p:stCondLst>
-                                    <p:cond delay="0"/>
-                                  </p:stCondLst>
-                                  <p:childTnLst>
-                                    <p:set>
-                                      <p:cBhvr>
-                                        <p:cTn id="6" dur="1" fill="hold">
-                                          <p:stCondLst>
-                                            <p:cond delay="0"/>
-                                          </p:stCondLst>
-                                        </p:cTn>
-                                        <p:tgtEl>
-                                          <p:spTgt spid="3">
-                                            <p:txEl>
-                                              <p:pRg st="0" end="0"/>
-                                            </p:txEl>
-                                          </p:spTgt>
-                                        </p:tgtEl>
-                                        <p:attrNameLst>
-                                          <p:attrName>style.visibility</p:attrName>
-                                        </p:attrNameLst>
-                                      </p:cBhvr>
-                                      <p:to>
-                                        <p:strVal val="visible"/>
-                                      </p:to>
-                                    </p:set>
-                                  </p:childTnLst>
-                                </p:cTn>
-                              </p:par>
-                            </p:childTnLst>
-                          </p:cTn>
-                        </p:par>
-                      </p:childTnLst>
-                    </p:cTn>
-                  </p:par>
-                  <p:par>
-                    <p:cTn id="7" fill="hold">
-                      <p:stCondLst>
-                        <p:cond delay="indefinite"/>
-                      </p:stCondLst>
-                      <p:childTnLst>
-                        <p:par>
-                          <p:cTn id="8" fill="hold">
-                            <p:stCondLst>
-                              <p:cond delay="0"/>
-                            </p:stCondLst>
-                            <p:childTnLst>
-                              <p:par>
-                                <p:cTn id="9" presetID="1" presetClass="entr" presetSubtype="0" fill="hold" nodeType="clickEffect">
-                                  <p:stCondLst>
-                                    <p:cond delay="0"/>
-                                  </p:stCondLst>
-                                  <p:childTnLst>
-                                    <p:set>
-                                      <p:cBhvr>
-                                        <p:cTn id="10" dur="1" fill="hold">
-                                          <p:stCondLst>
-                                            <p:cond delay="0"/>
-                                          </p:stCondLst>
-                                        </p:cTn>
-                                        <p:tgtEl>
-                                          <p:spTgt spid="3">
-                                            <p:txEl>
-                                              <p:pRg st="1" end="1"/>
-                                            </p:txEl>
-                                          </p:spTgt>
-                                        </p:tgtEl>
-                                        <p:attrNameLst>
-                                          <p:attrName>style.visibility</p:attrName>
-                                        </p:attrNameLst>
-                                      </p:cBhvr>
-                                      <p:to>
-                                        <p:strVal val="visible"/>
-                                      </p:to>
-                                    </p:set>
-                                  </p:childTnLst>
-                                </p:cTn>
-                              </p:par>
-                            </p:childTnLst>
-                          </p:cTn>
-                        </p:par>
-                      </p:childTnLst>
-                    </p:cTn>
-                  </p:par>
-                  <p:par>
-                    <p:cTn id="11" fill="hold">
-                      <p:stCondLst>
-                        <p:cond delay="indefinite"/>
-                      </p:stCondLst>
-                      <p:childTnLst>
-                        <p:par>
-                          <p:cTn id="12" fill="hold">
-                            <p:stCondLst>
-                              <p:cond delay="0"/>
-                            </p:stCondLst>
-                            <p:childTnLst>
-                              <p:par>
-                                <p:cTn id="13" presetID="1" presetClass="entr" presetSubtype="0" fill="hold" nodeType="clickEffect">
-                                  <p:stCondLst>
-                                    <p:cond delay="0"/>
-                                  </p:stCondLst>
-                                  <p:childTnLst>
-                                    <p:set>
-                                      <p:cBhvr>
-                                        <p:cTn id="14" dur="1" fill="hold">
-                                          <p:stCondLst>
-                                            <p:cond delay="0"/>
-                                          </p:stCondLst>
-                                        </p:cTn>
-                                        <p:tgtEl>
-                                          <p:spTgt spid="3">
-                                            <p:txEl>
-                                              <p:pRg st="2" end="2"/>
-                                            </p:txEl>
-                                          </p:spTgt>
-                                        </p:tgtEl>
-                                        <p:attrNameLst>
-                                          <p:attrName>style.visibility</p:attrName>
-                                        </p:attrNameLst>
-                                      </p:cBhvr>
-                                      <p:to>
-                                        <p:strVal val="visible"/>
-                                      </p:to>
-                                    </p:set>
-                                  </p:childTnLst>
-                                </p:cTn>
-                              </p:par>
-                            </p:childTnLst>
-                          </p:cTn>
-                        </p:par>
-                      </p:childTnLst>
-                    </p:cTn>
-                  </p:par>
-                  <p:par>
-                    <p:cTn id="15" fill="hold">
-                      <p:stCondLst>
-                        <p:cond delay="indefinite"/>
-                      </p:stCondLst>
-                      <p:childTnLst>
-                        <p:par>
-                          <p:cTn id="16" fill="hold">
-                            <p:stCondLst>
-                              <p:cond delay="0"/>
-                            </p:stCondLst>
-                            <p:childTnLst>
-                              <p:par>
-                                <p:cTn id="17" presetID="1" presetClass="entr" presetSubtype="0" fill="hold" nodeType="clickEffect">
-                                  <p:stCondLst>
-                                    <p:cond delay="0"/>
-                                  </p:stCondLst>
-                                  <p:childTnLst>
-                                    <p:set>
-                                      <p:cBhvr>
-                                        <p:cTn id="18" dur="1" fill="hold">
-                                          <p:stCondLst>
-                                            <p:cond delay="0"/>
-                                          </p:stCondLst>
-                                        </p:cTn>
-                                        <p:tgtEl>
-                                          <p:spTgt spid="3">
-                                            <p:txEl>
-                                              <p:pRg st="4" end="4"/>
-                                            </p:txEl>
-                                          </p:spTgt>
-                                        </p:tgtEl>
-                                        <p:attrNameLst>
-                                          <p:attrName>style.visibility</p:attrName>
-                                        </p:attrNameLst>
-                                      </p:cBhvr>
-                                      <p:to>
-                                        <p:strVal val="visible"/>
-                                      </p:to>
-                                    </p:set>
-                                  </p:childTnLst>
-                                </p:cTn>
-                              </p:par>
-                            </p:childTnLst>
-                          </p:cTn>
-                        </p:par>
-                      </p:childTnLst>
-                    </p:cTn>
-                  </p:par>
-                </p:childTnLst>
-              </p:cTn>
-              <p:prevCondLst>
-                <p:cond evt="onPrev" delay="0">
-                  <p:tgtEl>
-                    <p:sldTgt/>
-                  </p:tgtEl>
-                </p:cond>
-              </p:prevCondLst>
-              <p:nextCondLst>
-                <p:cond evt="onNext" delay="0">
-                  <p:tgtEl>
-                    <p:sldTgt/>
-                  </p:tgtEl>
-                </p:cond>
-              </p:nextCondLst>
-            </p:seq>
-          </p:childTnLst>
-        </p:cTn>
+        <p:cTn id="1" dur="indefinite" restart="never" nodeType="tmRoot"/>
       </p:par>
     </p:tnLst>
   </p:timing>
@@ -5107,17 +6094,17 @@
         </p:nvSpPr>
         <p:spPr>
           <a:xfrm>
-            <a:off x="1460310" y="365125"/>
-            <a:ext cx="9893490" cy="1325563"/>
-          </a:xfrm>
-        </p:spPr>
-        <p:txBody>
-          <a:bodyPr/>
-          <a:lstStyle/>
-          <a:p>
-            <a:r>
-              <a:rPr lang="en-GB" dirty="0" smtClean="0"/>
-              <a:t>Techniques</a:t>
+            <a:off x="1611086" y="365125"/>
+            <a:ext cx="9742714" cy="788761"/>
+          </a:xfrm>
+        </p:spPr>
+        <p:txBody>
+          <a:bodyPr/>
+          <a:lstStyle/>
+          <a:p>
+            <a:r>
+              <a:rPr lang="en-GB" dirty="0" smtClean="0"/>
+              <a:t>URLS</a:t>
             </a:r>
             <a:endParaRPr lang="en-GB" dirty="0"/>
           </a:p>
@@ -5135,58 +6122,142 @@
         </p:nvSpPr>
         <p:spPr>
           <a:xfrm>
-            <a:off x="1569492" y="1825625"/>
-            <a:ext cx="9784307" cy="4351338"/>
-          </a:xfrm>
-        </p:spPr>
-        <p:txBody>
-          <a:bodyPr/>
-          <a:lstStyle/>
-          <a:p>
-            <a:r>
-              <a:rPr lang="en-GB" dirty="0" smtClean="0"/>
-              <a:t>Random Play</a:t>
-            </a:r>
-          </a:p>
-          <a:p>
-            <a:r>
-              <a:rPr lang="en-GB" dirty="0" smtClean="0"/>
-              <a:t>Systematic (left to right)</a:t>
-            </a:r>
-          </a:p>
-          <a:p>
-            <a:r>
-              <a:rPr lang="en-GB" dirty="0" smtClean="0"/>
-              <a:t>Logical thinking</a:t>
-            </a:r>
-          </a:p>
-          <a:p>
-            <a:r>
-              <a:rPr lang="en-GB" dirty="0" smtClean="0"/>
-              <a:t>Minimax</a:t>
-            </a:r>
-          </a:p>
-          <a:p>
-            <a:r>
-              <a:rPr lang="en-GB" dirty="0" smtClean="0"/>
-              <a:t>Minimax with Alpha-Beta pruning</a:t>
-            </a:r>
-          </a:p>
-          <a:p>
-            <a:r>
-              <a:rPr lang="en-GB" dirty="0" smtClean="0"/>
-              <a:t>Monte-</a:t>
-            </a:r>
-            <a:r>
-              <a:rPr lang="en-GB" dirty="0" err="1" smtClean="0"/>
-              <a:t>carlo</a:t>
-            </a:r>
-            <a:r>
-              <a:rPr lang="en-GB" dirty="0" smtClean="0"/>
-              <a:t>?</a:t>
-            </a:r>
-          </a:p>
-          <a:p>
+            <a:off x="1284514" y="1077686"/>
+            <a:ext cx="10069286" cy="5099277"/>
+          </a:xfrm>
+        </p:spPr>
+        <p:txBody>
+          <a:bodyPr/>
+          <a:lstStyle/>
+          <a:p>
+            <a:pPr marL="0" indent="0">
+              <a:buNone/>
+            </a:pPr>
+            <a:r>
+              <a:rPr lang="en-GB" sz="2000" dirty="0" smtClean="0"/>
+              <a:t>View games</a:t>
+            </a:r>
+          </a:p>
+          <a:p>
+            <a:r>
+              <a:rPr lang="en-GB" sz="2000" dirty="0" smtClean="0">
+                <a:hlinkClick r:id="rId2"/>
+              </a:rPr>
+              <a:t>http</a:t>
+            </a:r>
+            <a:r>
+              <a:rPr lang="en-GB" sz="2000" dirty="0">
+                <a:hlinkClick r:id="rId2"/>
+              </a:rPr>
+              <a:t>://</a:t>
+            </a:r>
+            <a:r>
+              <a:rPr lang="en-GB" sz="2000" dirty="0" smtClean="0">
+                <a:hlinkClick r:id="rId2"/>
+              </a:rPr>
+              <a:t>yorkdojoconnect4.azurewebsites.net/</a:t>
+            </a:r>
+            <a:endParaRPr lang="en-GB" sz="2000" dirty="0" smtClean="0"/>
+          </a:p>
+          <a:p>
+            <a:pPr lvl="1"/>
+            <a:endParaRPr lang="en-GB" sz="1800" dirty="0"/>
+          </a:p>
+          <a:p>
+            <a:pPr marL="0" indent="0">
+              <a:buNone/>
+            </a:pPr>
+            <a:r>
+              <a:rPr lang="en-GB" sz="2000" dirty="0" smtClean="0"/>
+              <a:t>Documentation</a:t>
+            </a:r>
+          </a:p>
+          <a:p>
+            <a:r>
+              <a:rPr lang="en-GB" sz="2000" dirty="0">
+                <a:hlinkClick r:id="rId3"/>
+              </a:rPr>
+              <a:t>http://</a:t>
+            </a:r>
+            <a:r>
+              <a:rPr lang="en-GB" sz="2000" dirty="0" smtClean="0">
+                <a:hlinkClick r:id="rId3"/>
+              </a:rPr>
+              <a:t>yorkdojoconnect4.azurewebsites.net/Swagger</a:t>
+            </a:r>
+            <a:endParaRPr lang="en-GB" sz="2000" dirty="0" smtClean="0"/>
+          </a:p>
+          <a:p>
+            <a:pPr marL="0" indent="0">
+              <a:buNone/>
+            </a:pPr>
+            <a:endParaRPr lang="en-GB" dirty="0"/>
+          </a:p>
+          <a:p>
+            <a:pPr marL="0" indent="0">
+              <a:buNone/>
+            </a:pPr>
+            <a:r>
+              <a:rPr lang="en-GB" dirty="0" smtClean="0"/>
+              <a:t>Example</a:t>
+            </a:r>
+          </a:p>
+          <a:p>
+            <a:r>
+              <a:rPr lang="en-GB" sz="2000" dirty="0">
+                <a:hlinkClick r:id="rId4"/>
+              </a:rPr>
+              <a:t>https://github.com/YorkCodeDojo/Connect4/tree/master/Connect4.ExampleBot</a:t>
+            </a:r>
+            <a:endParaRPr lang="en-GB" sz="2000" dirty="0"/>
+          </a:p>
+          <a:p>
+            <a:pPr lvl="1"/>
+            <a:endParaRPr lang="en-GB" dirty="0" smtClean="0"/>
+          </a:p>
+          <a:p>
+            <a:pPr marL="0" indent="0">
+              <a:buNone/>
+            </a:pPr>
+            <a:r>
+              <a:rPr lang="en-GB" sz="2400" dirty="0" smtClean="0"/>
+              <a:t>APIs</a:t>
+            </a:r>
+          </a:p>
+          <a:p>
+            <a:r>
+              <a:rPr lang="en-GB" sz="2400" dirty="0">
+                <a:hlinkClick r:id="rId2"/>
+              </a:rPr>
+              <a:t>http://</a:t>
+            </a:r>
+            <a:r>
+              <a:rPr lang="en-GB" sz="2400" dirty="0" smtClean="0">
+                <a:hlinkClick r:id="rId2"/>
+              </a:rPr>
+              <a:t>yorkdojoconnect4.azurewebsites.net/</a:t>
+            </a:r>
+            <a:r>
+              <a:rPr lang="en-GB" sz="2400" dirty="0" smtClean="0"/>
+              <a:t>api/</a:t>
+            </a:r>
+          </a:p>
+          <a:p>
+            <a:endParaRPr lang="en-GB" dirty="0"/>
+          </a:p>
+          <a:p>
+            <a:endParaRPr lang="en-GB" dirty="0"/>
+          </a:p>
+          <a:p>
+            <a:endParaRPr lang="en-GB" dirty="0"/>
+          </a:p>
+          <a:p>
+            <a:endParaRPr lang="en-GB" dirty="0" smtClean="0"/>
+          </a:p>
+          <a:p>
+            <a:pPr marL="457200" lvl="1" indent="0">
+              <a:buNone/>
+            </a:pPr>
             <a:endParaRPr lang="en-GB" dirty="0"/>
           </a:p>
         </p:txBody>
@@ -5194,13 +6265,20 @@
     </p:spTree>
     <p:extLst>
       <p:ext uri="{BB962C8B-B14F-4D97-AF65-F5344CB8AC3E}">
-        <p14:creationId xmlns:p14="http://schemas.microsoft.com/office/powerpoint/2010/main" val="1605142803"/>
+        <p14:creationId xmlns:p14="http://schemas.microsoft.com/office/powerpoint/2010/main" val="3038172667"/>
       </p:ext>
     </p:extLst>
   </p:cSld>
   <p:clrMapOvr>
     <a:masterClrMapping/>
   </p:clrMapOvr>
+  <p:timing>
+    <p:tnLst>
+      <p:par>
+        <p:cTn id="1" dur="indefinite" restart="never" nodeType="tmRoot"/>
+      </p:par>
+    </p:tnLst>
+  </p:timing>
 </p:sld>
 </file>
 
@@ -5233,18 +6311,33 @@
         </p:nvSpPr>
         <p:spPr>
           <a:xfrm>
-            <a:off x="1310184" y="365125"/>
-            <a:ext cx="10043615" cy="1325563"/>
-          </a:xfrm>
-        </p:spPr>
-        <p:txBody>
-          <a:bodyPr/>
-          <a:lstStyle/>
-          <a:p>
-            <a:r>
-              <a:rPr lang="en-GB" dirty="0" smtClean="0"/>
-              <a:t>Exercises</a:t>
-            </a:r>
+            <a:off x="1143000" y="365126"/>
+            <a:ext cx="10210800" cy="745218"/>
+          </a:xfrm>
+        </p:spPr>
+        <p:txBody>
+          <a:bodyPr/>
+          <a:lstStyle/>
+          <a:p>
+            <a:r>
+              <a:rPr lang="en-GB" dirty="0"/>
+              <a:t>/</a:t>
+            </a:r>
+            <a:r>
+              <a:rPr lang="en-GB" dirty="0" err="1" smtClean="0"/>
+              <a:t>api</a:t>
+            </a:r>
+            <a:r>
+              <a:rPr lang="en-GB" dirty="0" smtClean="0"/>
+              <a:t>/Register  [POST]</a:t>
+            </a:r>
+            <a:r>
+              <a:rPr lang="en-GB" dirty="0"/>
+              <a:t/>
+            </a:r>
+            <a:br>
+              <a:rPr lang="en-GB" dirty="0"/>
+            </a:br>
             <a:endParaRPr lang="en-GB" dirty="0"/>
           </a:p>
         </p:txBody>
@@ -5261,53 +6354,484 @@
         </p:nvSpPr>
         <p:spPr>
           <a:xfrm>
-            <a:off x="1555844" y="1825625"/>
-            <a:ext cx="9797955" cy="4351338"/>
-          </a:xfrm>
-        </p:spPr>
-        <p:txBody>
-          <a:bodyPr/>
-          <a:lstStyle/>
-          <a:p>
-            <a:r>
-              <a:rPr lang="en-GB" dirty="0" smtClean="0"/>
-              <a:t>Pair Up</a:t>
-            </a:r>
-          </a:p>
-          <a:p>
+            <a:off x="1143000" y="1230086"/>
+            <a:ext cx="10210800" cy="5355771"/>
+          </a:xfrm>
+        </p:spPr>
+        <p:txBody>
+          <a:bodyPr/>
+          <a:lstStyle/>
+          <a:p>
+            <a:pPr marL="0" indent="0">
+              <a:buNone/>
+            </a:pPr>
+            <a:r>
+              <a:rPr lang="en-GB" dirty="0" smtClean="0"/>
+              <a:t>Register </a:t>
+            </a:r>
+            <a:r>
+              <a:rPr lang="en-GB" dirty="0"/>
+              <a:t>your team </a:t>
+            </a:r>
+            <a:r>
+              <a:rPr lang="en-GB" dirty="0" smtClean="0"/>
+              <a:t>and returns your </a:t>
+            </a:r>
+            <a:r>
+              <a:rPr lang="en-GB" dirty="0"/>
+              <a:t>unique player </a:t>
+            </a:r>
+            <a:r>
+              <a:rPr lang="en-GB" dirty="0" smtClean="0"/>
+              <a:t>ID.</a:t>
+            </a:r>
+          </a:p>
+          <a:p>
+            <a:pPr marL="0" indent="0">
+              <a:buNone/>
+            </a:pPr>
             <a:endParaRPr lang="en-GB" dirty="0"/>
           </a:p>
           <a:p>
-            <a:r>
-              <a:rPr lang="en-GB" dirty="0" smtClean="0"/>
-              <a:t>Do the exercises</a:t>
-            </a:r>
-          </a:p>
-          <a:p>
+            <a:pPr marL="0" indent="0">
+              <a:buNone/>
+            </a:pPr>
+            <a:r>
+              <a:rPr lang="en-GB" dirty="0" smtClean="0"/>
+              <a:t>Parameters:</a:t>
+            </a:r>
+          </a:p>
+          <a:p>
+            <a:r>
+              <a:rPr lang="en-GB" dirty="0" err="1"/>
+              <a:t>T</a:t>
+            </a:r>
+            <a:r>
+              <a:rPr lang="en-GB" dirty="0" err="1" smtClean="0"/>
+              <a:t>eamName</a:t>
+            </a:r>
             <a:endParaRPr lang="en-GB" dirty="0" smtClean="0"/>
           </a:p>
           <a:p>
             <a:r>
               <a:rPr lang="en-GB" dirty="0" smtClean="0"/>
-              <a:t>Show and Tell</a:t>
+              <a:t>Password</a:t>
             </a:r>
           </a:p>
           <a:p>
             <a:endParaRPr lang="en-GB" dirty="0" smtClean="0"/>
           </a:p>
           <a:p>
-            <a:r>
-              <a:rPr lang="en-GB" dirty="0" smtClean="0"/>
-              <a:t>Pub</a:t>
-            </a:r>
-            <a:endParaRPr lang="en-GB" dirty="0"/>
+            <a:pPr marL="0" indent="0">
+              <a:buNone/>
+            </a:pPr>
+            <a:r>
+              <a:rPr lang="en-GB" dirty="0" smtClean="0"/>
+              <a:t>Returns:</a:t>
+            </a:r>
+          </a:p>
+          <a:p>
+            <a:r>
+              <a:rPr lang="en-GB" dirty="0" smtClean="0"/>
+              <a:t>Your player ID</a:t>
+            </a:r>
+          </a:p>
+          <a:p>
+            <a:pPr marL="0" indent="0">
+              <a:buNone/>
+            </a:pPr>
+            <a:endParaRPr lang="en-GB" dirty="0" smtClean="0"/>
+          </a:p>
+          <a:p>
+            <a:pPr marL="0" indent="0">
+              <a:buNone/>
+            </a:pPr>
+            <a:r>
+              <a:rPr lang="en-GB" dirty="0" smtClean="0"/>
+              <a:t>Example</a:t>
+            </a:r>
+          </a:p>
+          <a:p>
+            <a:pPr marL="0" indent="0">
+              <a:buNone/>
+            </a:pPr>
+            <a:r>
+              <a:rPr lang="en-GB" sz="2000" dirty="0" err="1" smtClean="0"/>
+              <a:t>api</a:t>
+            </a:r>
+            <a:r>
+              <a:rPr lang="en-GB" sz="2000" dirty="0" smtClean="0"/>
+              <a:t>/</a:t>
+            </a:r>
+            <a:r>
+              <a:rPr lang="en-GB" sz="2000" dirty="0" err="1" smtClean="0"/>
+              <a:t>Register?teamName</a:t>
+            </a:r>
+            <a:r>
+              <a:rPr lang="en-GB" sz="2000" dirty="0" smtClean="0"/>
+              <a:t>=</a:t>
+            </a:r>
+            <a:r>
+              <a:rPr lang="en-GB" sz="2000" dirty="0" err="1" smtClean="0"/>
+              <a:t>Winners&amp;password</a:t>
+            </a:r>
+            <a:r>
+              <a:rPr lang="en-GB" sz="2000" dirty="0" smtClean="0"/>
+              <a:t>=Secret</a:t>
+            </a:r>
+          </a:p>
+          <a:p>
+            <a:pPr marL="0" indent="0">
+              <a:buNone/>
+            </a:pPr>
+            <a:endParaRPr lang="en-GB" sz="2000" dirty="0"/>
           </a:p>
         </p:txBody>
       </p:sp>
     </p:spTree>
     <p:extLst>
       <p:ext uri="{BB962C8B-B14F-4D97-AF65-F5344CB8AC3E}">
-        <p14:creationId xmlns:p14="http://schemas.microsoft.com/office/powerpoint/2010/main" val="976035452"/>
+        <p14:creationId xmlns:p14="http://schemas.microsoft.com/office/powerpoint/2010/main" val="2091625023"/>
+      </p:ext>
+    </p:extLst>
+  </p:cSld>
+  <p:clrMapOvr>
+    <a:masterClrMapping/>
+  </p:clrMapOvr>
+  <p:timing>
+    <p:tnLst>
+      <p:par>
+        <p:cTn id="1" dur="indefinite" restart="never" nodeType="tmRoot"/>
+      </p:par>
+    </p:tnLst>
+  </p:timing>
+</p:sld>
+</file>
+
+<file path=ppt/slides/slide8.xml><?xml version="1.0" encoding="utf-8"?>
+<p:sld xmlns:a="http://schemas.openxmlformats.org/drawingml/2006/main" xmlns:r="http://schemas.openxmlformats.org/officeDocument/2006/relationships" xmlns:p="http://schemas.openxmlformats.org/presentationml/2006/main">
+  <p:cSld>
+    <p:spTree>
+      <p:nvGrpSpPr>
+        <p:cNvPr id="1" name=""/>
+        <p:cNvGrpSpPr/>
+        <p:nvPr/>
+      </p:nvGrpSpPr>
+      <p:grpSpPr>
+        <a:xfrm>
+          <a:off x="0" y="0"/>
+          <a:ext cx="0" cy="0"/>
+          <a:chOff x="0" y="0"/>
+          <a:chExt cx="0" cy="0"/>
+        </a:xfrm>
+      </p:grpSpPr>
+      <p:sp>
+        <p:nvSpPr>
+          <p:cNvPr id="2" name="Title 1"/>
+          <p:cNvSpPr>
+            <a:spLocks noGrp="1"/>
+          </p:cNvSpPr>
+          <p:nvPr>
+            <p:ph type="title"/>
+          </p:nvPr>
+        </p:nvSpPr>
+        <p:spPr>
+          <a:xfrm>
+            <a:off x="1143000" y="365126"/>
+            <a:ext cx="10210800" cy="745218"/>
+          </a:xfrm>
+        </p:spPr>
+        <p:txBody>
+          <a:bodyPr/>
+          <a:lstStyle/>
+          <a:p>
+            <a:r>
+              <a:rPr lang="en-GB" dirty="0"/>
+              <a:t>/</a:t>
+            </a:r>
+            <a:r>
+              <a:rPr lang="en-GB" dirty="0" err="1" smtClean="0"/>
+              <a:t>api</a:t>
+            </a:r>
+            <a:r>
+              <a:rPr lang="en-GB" dirty="0" smtClean="0"/>
+              <a:t>/</a:t>
+            </a:r>
+            <a:r>
+              <a:rPr lang="en-GB" dirty="0" err="1" smtClean="0"/>
+              <a:t>GameState</a:t>
+            </a:r>
+            <a:r>
+              <a:rPr lang="en-GB" dirty="0" smtClean="0"/>
+              <a:t>  [GET]</a:t>
+            </a:r>
+            <a:r>
+              <a:rPr lang="en-GB" dirty="0"/>
+              <a:t/>
+            </a:r>
+            <a:br>
+              <a:rPr lang="en-GB" dirty="0"/>
+            </a:br>
+            <a:endParaRPr lang="en-GB" dirty="0"/>
+          </a:p>
+        </p:txBody>
+      </p:sp>
+      <p:sp>
+        <p:nvSpPr>
+          <p:cNvPr id="3" name="Content Placeholder 2"/>
+          <p:cNvSpPr>
+            <a:spLocks noGrp="1"/>
+          </p:cNvSpPr>
+          <p:nvPr>
+            <p:ph idx="1"/>
+          </p:nvPr>
+        </p:nvSpPr>
+        <p:spPr>
+          <a:xfrm>
+            <a:off x="1143000" y="1230086"/>
+            <a:ext cx="10210800" cy="5355771"/>
+          </a:xfrm>
+        </p:spPr>
+        <p:txBody>
+          <a:bodyPr/>
+          <a:lstStyle/>
+          <a:p>
+            <a:pPr marL="0" indent="0">
+              <a:buNone/>
+            </a:pPr>
+            <a:r>
+              <a:rPr lang="en-GB" dirty="0" smtClean="0"/>
+              <a:t>Returns the current state of the game</a:t>
+            </a:r>
+          </a:p>
+          <a:p>
+            <a:pPr marL="0" indent="0">
+              <a:buNone/>
+            </a:pPr>
+            <a:endParaRPr lang="en-GB" dirty="0"/>
+          </a:p>
+          <a:p>
+            <a:pPr marL="0" indent="0">
+              <a:buNone/>
+            </a:pPr>
+            <a:r>
+              <a:rPr lang="en-GB" dirty="0" smtClean="0"/>
+              <a:t>Parameters:</a:t>
+            </a:r>
+          </a:p>
+          <a:p>
+            <a:r>
+              <a:rPr lang="en-GB" dirty="0" err="1" smtClean="0"/>
+              <a:t>PlayerID</a:t>
+            </a:r>
+            <a:endParaRPr lang="en-GB" dirty="0" smtClean="0"/>
+          </a:p>
+          <a:p>
+            <a:endParaRPr lang="en-GB" dirty="0" smtClean="0"/>
+          </a:p>
+          <a:p>
+            <a:pPr marL="0" indent="0">
+              <a:buNone/>
+            </a:pPr>
+            <a:r>
+              <a:rPr lang="en-GB" dirty="0" smtClean="0"/>
+              <a:t>Returns:</a:t>
+            </a:r>
+          </a:p>
+          <a:p>
+            <a:r>
+              <a:rPr lang="en-GB" dirty="0" smtClean="0"/>
+              <a:t>A </a:t>
+            </a:r>
+            <a:r>
+              <a:rPr lang="en-GB" dirty="0" err="1" smtClean="0"/>
+              <a:t>json</a:t>
+            </a:r>
+            <a:r>
+              <a:rPr lang="en-GB" dirty="0" smtClean="0"/>
+              <a:t> object shown on the next slide</a:t>
+            </a:r>
+          </a:p>
+          <a:p>
+            <a:pPr marL="0" indent="0">
+              <a:buNone/>
+            </a:pPr>
+            <a:endParaRPr lang="en-GB" dirty="0" smtClean="0"/>
+          </a:p>
+          <a:p>
+            <a:pPr marL="0" indent="0">
+              <a:buNone/>
+            </a:pPr>
+            <a:r>
+              <a:rPr lang="en-GB" dirty="0" smtClean="0"/>
+              <a:t>Example</a:t>
+            </a:r>
+          </a:p>
+          <a:p>
+            <a:pPr marL="0" indent="0">
+              <a:buNone/>
+            </a:pPr>
+            <a:r>
+              <a:rPr lang="en-GB" sz="2000" dirty="0" err="1" smtClean="0"/>
+              <a:t>api</a:t>
+            </a:r>
+            <a:r>
+              <a:rPr lang="en-GB" sz="2000" dirty="0" smtClean="0"/>
+              <a:t>/</a:t>
+            </a:r>
+            <a:r>
+              <a:rPr lang="en-GB" sz="2000" dirty="0" err="1" smtClean="0"/>
+              <a:t>GameState?playerID</a:t>
+            </a:r>
+            <a:r>
+              <a:rPr lang="en-GB" sz="2000" dirty="0" smtClean="0"/>
+              <a:t>=1234567</a:t>
+            </a:r>
+          </a:p>
+          <a:p>
+            <a:pPr marL="0" indent="0">
+              <a:buNone/>
+            </a:pPr>
+            <a:endParaRPr lang="en-GB" sz="2000" dirty="0"/>
+          </a:p>
+        </p:txBody>
+      </p:sp>
+    </p:spTree>
+    <p:extLst>
+      <p:ext uri="{BB962C8B-B14F-4D97-AF65-F5344CB8AC3E}">
+        <p14:creationId xmlns:p14="http://schemas.microsoft.com/office/powerpoint/2010/main" val="2993026042"/>
+      </p:ext>
+    </p:extLst>
+  </p:cSld>
+  <p:clrMapOvr>
+    <a:masterClrMapping/>
+  </p:clrMapOvr>
+  <p:timing>
+    <p:tnLst>
+      <p:par>
+        <p:cTn id="1" dur="indefinite" restart="never" nodeType="tmRoot"/>
+      </p:par>
+    </p:tnLst>
+  </p:timing>
+</p:sld>
+</file>
+
+<file path=ppt/slides/slide9.xml><?xml version="1.0" encoding="utf-8"?>
+<p:sld xmlns:a="http://schemas.openxmlformats.org/drawingml/2006/main" xmlns:r="http://schemas.openxmlformats.org/officeDocument/2006/relationships" xmlns:p="http://schemas.openxmlformats.org/presentationml/2006/main">
+  <p:cSld>
+    <p:spTree>
+      <p:nvGrpSpPr>
+        <p:cNvPr id="1" name=""/>
+        <p:cNvGrpSpPr/>
+        <p:nvPr/>
+      </p:nvGrpSpPr>
+      <p:grpSpPr>
+        <a:xfrm>
+          <a:off x="0" y="0"/>
+          <a:ext cx="0" cy="0"/>
+          <a:chOff x="0" y="0"/>
+          <a:chExt cx="0" cy="0"/>
+        </a:xfrm>
+      </p:grpSpPr>
+      <p:sp>
+        <p:nvSpPr>
+          <p:cNvPr id="2" name="Title 1"/>
+          <p:cNvSpPr>
+            <a:spLocks noGrp="1"/>
+          </p:cNvSpPr>
+          <p:nvPr>
+            <p:ph type="title"/>
+          </p:nvPr>
+        </p:nvSpPr>
+        <p:spPr>
+          <a:xfrm>
+            <a:off x="1219200" y="365125"/>
+            <a:ext cx="10134600" cy="1325563"/>
+          </a:xfrm>
+        </p:spPr>
+        <p:txBody>
+          <a:bodyPr/>
+          <a:lstStyle/>
+          <a:p>
+            <a:r>
+              <a:rPr lang="en-GB" dirty="0" smtClean="0"/>
+              <a:t>Game Object</a:t>
+            </a:r>
+            <a:endParaRPr lang="en-GB" dirty="0"/>
+          </a:p>
+        </p:txBody>
+      </p:sp>
+      <p:sp>
+        <p:nvSpPr>
+          <p:cNvPr id="3" name="Content Placeholder 2"/>
+          <p:cNvSpPr>
+            <a:spLocks noGrp="1"/>
+          </p:cNvSpPr>
+          <p:nvPr>
+            <p:ph idx="1"/>
+          </p:nvPr>
+        </p:nvSpPr>
+        <p:spPr/>
+        <p:txBody>
+          <a:bodyPr/>
+          <a:lstStyle/>
+          <a:p>
+            <a:endParaRPr lang="en-GB"/>
+          </a:p>
+        </p:txBody>
+      </p:sp>
+      <p:pic>
+        <p:nvPicPr>
+          <p:cNvPr id="5" name="Picture 4"/>
+          <p:cNvPicPr>
+            <a:picLocks noChangeAspect="1"/>
+          </p:cNvPicPr>
+          <p:nvPr/>
+        </p:nvPicPr>
+        <p:blipFill>
+          <a:blip r:embed="rId2"/>
+          <a:stretch>
+            <a:fillRect/>
+          </a:stretch>
+        </p:blipFill>
+        <p:spPr>
+          <a:xfrm>
+            <a:off x="1680481" y="2089377"/>
+            <a:ext cx="4019550" cy="3267075"/>
+          </a:xfrm>
+          <a:prstGeom prst="rect">
+            <a:avLst/>
+          </a:prstGeom>
+        </p:spPr>
+      </p:pic>
+      <p:pic>
+        <p:nvPicPr>
+          <p:cNvPr id="6" name="Picture 5"/>
+          <p:cNvPicPr>
+            <a:picLocks noChangeAspect="1"/>
+          </p:cNvPicPr>
+          <p:nvPr/>
+        </p:nvPicPr>
+        <p:blipFill>
+          <a:blip r:embed="rId3"/>
+          <a:stretch>
+            <a:fillRect/>
+          </a:stretch>
+        </p:blipFill>
+        <p:spPr>
+          <a:xfrm>
+            <a:off x="6970939" y="1908401"/>
+            <a:ext cx="2495550" cy="3324225"/>
+          </a:xfrm>
+          <a:prstGeom prst="rect">
+            <a:avLst/>
+          </a:prstGeom>
+        </p:spPr>
+      </p:pic>
+    </p:spTree>
+    <p:extLst>
+      <p:ext uri="{BB962C8B-B14F-4D97-AF65-F5344CB8AC3E}">
+        <p14:creationId xmlns:p14="http://schemas.microsoft.com/office/powerpoint/2010/main" val="2997954929"/>
       </p:ext>
     </p:extLst>
   </p:cSld>

--- a/Connect4.pptx
+++ b/Connect4.pptx
@@ -214,7 +214,7 @@
           <a:p>
             <a:fld id="{FF6F425D-DEA3-43AE-8BD4-73C15BA73D62}" type="datetimeFigureOut">
               <a:rPr lang="en-GB" smtClean="0"/>
-              <a:t>11/10/2016</a:t>
+              <a:t>12/10/2016</a:t>
             </a:fld>
             <a:endParaRPr lang="en-GB"/>
           </a:p>
@@ -570,6 +570,94 @@
 </p:notes>
 </file>
 
+<file path=ppt/notesSlides/notesSlide10.xml><?xml version="1.0" encoding="utf-8"?>
+<p:notes xmlns:a="http://schemas.openxmlformats.org/drawingml/2006/main" xmlns:r="http://schemas.openxmlformats.org/officeDocument/2006/relationships" xmlns:p="http://schemas.openxmlformats.org/presentationml/2006/main">
+  <p:cSld>
+    <p:spTree>
+      <p:nvGrpSpPr>
+        <p:cNvPr id="1" name=""/>
+        <p:cNvGrpSpPr/>
+        <p:nvPr/>
+      </p:nvGrpSpPr>
+      <p:grpSpPr>
+        <a:xfrm>
+          <a:off x="0" y="0"/>
+          <a:ext cx="0" cy="0"/>
+          <a:chOff x="0" y="0"/>
+          <a:chExt cx="0" cy="0"/>
+        </a:xfrm>
+      </p:grpSpPr>
+      <p:sp>
+        <p:nvSpPr>
+          <p:cNvPr id="2" name="Slide Image Placeholder 1"/>
+          <p:cNvSpPr>
+            <a:spLocks noGrp="1" noRot="1" noChangeAspect="1"/>
+          </p:cNvSpPr>
+          <p:nvPr>
+            <p:ph type="sldImg"/>
+          </p:nvPr>
+        </p:nvSpPr>
+        <p:spPr/>
+      </p:sp>
+      <p:sp>
+        <p:nvSpPr>
+          <p:cNvPr id="3" name="Notes Placeholder 2"/>
+          <p:cNvSpPr>
+            <a:spLocks noGrp="1"/>
+          </p:cNvSpPr>
+          <p:nvPr>
+            <p:ph type="body" idx="1"/>
+          </p:nvPr>
+        </p:nvSpPr>
+        <p:spPr/>
+        <p:txBody>
+          <a:bodyPr/>
+          <a:lstStyle/>
+          <a:p>
+            <a:r>
+              <a:rPr lang="en-GB" dirty="0" smtClean="0"/>
+              <a:t>Time permitting</a:t>
+            </a:r>
+            <a:endParaRPr lang="en-GB" dirty="0"/>
+          </a:p>
+        </p:txBody>
+      </p:sp>
+      <p:sp>
+        <p:nvSpPr>
+          <p:cNvPr id="4" name="Slide Number Placeholder 3"/>
+          <p:cNvSpPr>
+            <a:spLocks noGrp="1"/>
+          </p:cNvSpPr>
+          <p:nvPr>
+            <p:ph type="sldNum" sz="quarter" idx="10"/>
+          </p:nvPr>
+        </p:nvSpPr>
+        <p:spPr/>
+        <p:txBody>
+          <a:bodyPr/>
+          <a:lstStyle/>
+          <a:p>
+            <a:fld id="{723B45EE-AF0F-4566-84E6-937F0AB40E53}" type="slidenum">
+              <a:rPr lang="en-GB" smtClean="0"/>
+              <a:t>15</a:t>
+            </a:fld>
+            <a:endParaRPr lang="en-GB"/>
+          </a:p>
+        </p:txBody>
+      </p:sp>
+    </p:spTree>
+    <p:extLst>
+      <p:ext uri="{BB962C8B-B14F-4D97-AF65-F5344CB8AC3E}">
+        <p14:creationId xmlns:p14="http://schemas.microsoft.com/office/powerpoint/2010/main" val="3191459087"/>
+      </p:ext>
+    </p:extLst>
+  </p:cSld>
+  <p:clrMapOvr>
+    <a:masterClrMapping/>
+  </p:clrMapOvr>
+</p:notes>
+</file>
+
 <file path=ppt/notesSlides/notesSlide2.xml><?xml version="1.0" encoding="utf-8"?>
 <p:notes xmlns:a="http://schemas.openxmlformats.org/drawingml/2006/main" xmlns:r="http://schemas.openxmlformats.org/officeDocument/2006/relationships" xmlns:p="http://schemas.openxmlformats.org/presentationml/2006/main">
   <p:cSld>
@@ -960,48 +1048,26 @@
           <a:p>
             <a:r>
               <a:rPr lang="en-GB" dirty="0" smtClean="0"/>
-              <a:t>Each node</a:t>
+              <a:t>0,0 is bottom left</a:t>
+            </a:r>
+          </a:p>
+          <a:p>
+            <a:r>
+              <a:rPr lang="en-GB" dirty="0" smtClean="0"/>
+              <a:t>7</a:t>
             </a:r>
             <a:r>
               <a:rPr lang="en-GB" baseline="0" dirty="0" smtClean="0"/>
-              <a:t> in the tree is a game position.</a:t>
+              <a:t> columns</a:t>
             </a:r>
           </a:p>
           <a:p>
             <a:r>
               <a:rPr lang="en-GB" baseline="0" dirty="0" smtClean="0"/>
-              <a:t>For the root node we have 7 possible moves.  So we have 7 branches</a:t>
-            </a:r>
-          </a:p>
-          <a:p>
-            <a:r>
-              <a:rPr lang="en-GB" baseline="0" dirty="0" smtClean="0"/>
-              <a:t>What is the maximum depth of the tree?  41</a:t>
-            </a:r>
-          </a:p>
-          <a:p>
-            <a:r>
-              <a:rPr lang="en-GB" baseline="0" dirty="0" smtClean="0"/>
-              <a:t>Upper bound of the tree size?  7 ^ 41</a:t>
-            </a:r>
-          </a:p>
-          <a:p>
-            <a:r>
-              <a:rPr lang="en-GB" baseline="0" dirty="0" smtClean="0"/>
-              <a:t>Draw max/min on different levels</a:t>
-            </a:r>
-          </a:p>
-          <a:p>
-            <a:r>
-              <a:rPr lang="en-GB" baseline="0" dirty="0" smtClean="0"/>
-              <a:t>Place values against leaf nodes</a:t>
-            </a:r>
-          </a:p>
-          <a:p>
-            <a:r>
-              <a:rPr lang="en-GB" baseline="0" dirty="0" smtClean="0"/>
-              <a:t>Work up</a:t>
-            </a:r>
+              <a:t>6 rows</a:t>
+            </a:r>
+          </a:p>
+          <a:p>
             <a:endParaRPr lang="en-GB" dirty="0"/>
           </a:p>
         </p:txBody>
@@ -1023,7 +1089,7 @@
           <a:p>
             <a:fld id="{723B45EE-AF0F-4566-84E6-937F0AB40E53}" type="slidenum">
               <a:rPr lang="en-GB" smtClean="0"/>
-              <a:t>13</a:t>
+              <a:t>9</a:t>
             </a:fld>
             <a:endParaRPr lang="en-GB"/>
           </a:p>
@@ -1032,7 +1098,7 @@
     </p:spTree>
     <p:extLst>
       <p:ext uri="{BB962C8B-B14F-4D97-AF65-F5344CB8AC3E}">
-        <p14:creationId xmlns:p14="http://schemas.microsoft.com/office/powerpoint/2010/main" val="2280298299"/>
+        <p14:creationId xmlns:p14="http://schemas.microsoft.com/office/powerpoint/2010/main" val="944894978"/>
       </p:ext>
     </p:extLst>
   </p:cSld>
@@ -1086,22 +1152,6 @@
           <a:bodyPr/>
           <a:lstStyle/>
           <a:p>
-            <a:r>
-              <a:rPr lang="en-GB" dirty="0" smtClean="0"/>
-              <a:t>If you get time,  then this </a:t>
-            </a:r>
-            <a:r>
-              <a:rPr lang="en-GB" dirty="0" err="1" smtClean="0"/>
-              <a:t>optomisation</a:t>
-            </a:r>
-            <a:r>
-              <a:rPr lang="en-GB" dirty="0" smtClean="0"/>
-              <a:t> will speed up the</a:t>
-            </a:r>
-            <a:r>
-              <a:rPr lang="en-GB" baseline="0" dirty="0" smtClean="0"/>
-              <a:t> search dramatically.</a:t>
-            </a:r>
             <a:endParaRPr lang="en-GB" dirty="0"/>
           </a:p>
         </p:txBody>
@@ -1123,7 +1173,7 @@
           <a:p>
             <a:fld id="{723B45EE-AF0F-4566-84E6-937F0AB40E53}" type="slidenum">
               <a:rPr lang="en-GB" smtClean="0"/>
-              <a:t>14</a:t>
+              <a:t>12</a:t>
             </a:fld>
             <a:endParaRPr lang="en-GB"/>
           </a:p>
@@ -1132,7 +1182,7 @@
     </p:spTree>
     <p:extLst>
       <p:ext uri="{BB962C8B-B14F-4D97-AF65-F5344CB8AC3E}">
-        <p14:creationId xmlns:p14="http://schemas.microsoft.com/office/powerpoint/2010/main" val="2408779161"/>
+        <p14:creationId xmlns:p14="http://schemas.microsoft.com/office/powerpoint/2010/main" val="2418937918"/>
       </p:ext>
     </p:extLst>
   </p:cSld>
@@ -1188,7 +1238,47 @@
           <a:p>
             <a:r>
               <a:rPr lang="en-GB" dirty="0" smtClean="0"/>
-              <a:t>Time permitting</a:t>
+              <a:t>Each node</a:t>
+            </a:r>
+            <a:r>
+              <a:rPr lang="en-GB" baseline="0" dirty="0" smtClean="0"/>
+              <a:t> in the tree is a game position.</a:t>
+            </a:r>
+          </a:p>
+          <a:p>
+            <a:r>
+              <a:rPr lang="en-GB" baseline="0" dirty="0" smtClean="0"/>
+              <a:t>For the root node we have 7 possible moves.  So we have 7 branches</a:t>
+            </a:r>
+          </a:p>
+          <a:p>
+            <a:r>
+              <a:rPr lang="en-GB" baseline="0" dirty="0" smtClean="0"/>
+              <a:t>What is the maximum depth of the tree?  41</a:t>
+            </a:r>
+          </a:p>
+          <a:p>
+            <a:r>
+              <a:rPr lang="en-GB" baseline="0" dirty="0" smtClean="0"/>
+              <a:t>Upper bound of the tree size?  7 ^ 41</a:t>
+            </a:r>
+          </a:p>
+          <a:p>
+            <a:r>
+              <a:rPr lang="en-GB" baseline="0" dirty="0" smtClean="0"/>
+              <a:t>Draw max/min on different levels</a:t>
+            </a:r>
+          </a:p>
+          <a:p>
+            <a:r>
+              <a:rPr lang="en-GB" baseline="0" dirty="0" smtClean="0"/>
+              <a:t>Place values against leaf nodes</a:t>
+            </a:r>
+          </a:p>
+          <a:p>
+            <a:r>
+              <a:rPr lang="en-GB" baseline="0" dirty="0" smtClean="0"/>
+              <a:t>Work up</a:t>
             </a:r>
             <a:endParaRPr lang="en-GB" dirty="0"/>
           </a:p>
@@ -1211,7 +1301,7 @@
           <a:p>
             <a:fld id="{723B45EE-AF0F-4566-84E6-937F0AB40E53}" type="slidenum">
               <a:rPr lang="en-GB" smtClean="0"/>
-              <a:t>15</a:t>
+              <a:t>13</a:t>
             </a:fld>
             <a:endParaRPr lang="en-GB"/>
           </a:p>
@@ -1220,7 +1310,107 @@
     </p:spTree>
     <p:extLst>
       <p:ext uri="{BB962C8B-B14F-4D97-AF65-F5344CB8AC3E}">
-        <p14:creationId xmlns:p14="http://schemas.microsoft.com/office/powerpoint/2010/main" val="3191459087"/>
+        <p14:creationId xmlns:p14="http://schemas.microsoft.com/office/powerpoint/2010/main" val="2280298299"/>
+      </p:ext>
+    </p:extLst>
+  </p:cSld>
+  <p:clrMapOvr>
+    <a:masterClrMapping/>
+  </p:clrMapOvr>
+</p:notes>
+</file>
+
+<file path=ppt/notesSlides/notesSlide9.xml><?xml version="1.0" encoding="utf-8"?>
+<p:notes xmlns:a="http://schemas.openxmlformats.org/drawingml/2006/main" xmlns:r="http://schemas.openxmlformats.org/officeDocument/2006/relationships" xmlns:p="http://schemas.openxmlformats.org/presentationml/2006/main">
+  <p:cSld>
+    <p:spTree>
+      <p:nvGrpSpPr>
+        <p:cNvPr id="1" name=""/>
+        <p:cNvGrpSpPr/>
+        <p:nvPr/>
+      </p:nvGrpSpPr>
+      <p:grpSpPr>
+        <a:xfrm>
+          <a:off x="0" y="0"/>
+          <a:ext cx="0" cy="0"/>
+          <a:chOff x="0" y="0"/>
+          <a:chExt cx="0" cy="0"/>
+        </a:xfrm>
+      </p:grpSpPr>
+      <p:sp>
+        <p:nvSpPr>
+          <p:cNvPr id="2" name="Slide Image Placeholder 1"/>
+          <p:cNvSpPr>
+            <a:spLocks noGrp="1" noRot="1" noChangeAspect="1"/>
+          </p:cNvSpPr>
+          <p:nvPr>
+            <p:ph type="sldImg"/>
+          </p:nvPr>
+        </p:nvSpPr>
+        <p:spPr/>
+      </p:sp>
+      <p:sp>
+        <p:nvSpPr>
+          <p:cNvPr id="3" name="Notes Placeholder 2"/>
+          <p:cNvSpPr>
+            <a:spLocks noGrp="1"/>
+          </p:cNvSpPr>
+          <p:nvPr>
+            <p:ph type="body" idx="1"/>
+          </p:nvPr>
+        </p:nvSpPr>
+        <p:spPr/>
+        <p:txBody>
+          <a:bodyPr/>
+          <a:lstStyle/>
+          <a:p>
+            <a:r>
+              <a:rPr lang="en-GB" dirty="0" smtClean="0"/>
+              <a:t>If you get time,  then this </a:t>
+            </a:r>
+            <a:r>
+              <a:rPr lang="en-GB" dirty="0" err="1" smtClean="0"/>
+              <a:t>optomisation</a:t>
+            </a:r>
+            <a:r>
+              <a:rPr lang="en-GB" dirty="0" smtClean="0"/>
+              <a:t> will speed up the</a:t>
+            </a:r>
+            <a:r>
+              <a:rPr lang="en-GB" baseline="0" dirty="0" smtClean="0"/>
+              <a:t> search dramatically.</a:t>
+            </a:r>
+            <a:endParaRPr lang="en-GB" dirty="0"/>
+          </a:p>
+        </p:txBody>
+      </p:sp>
+      <p:sp>
+        <p:nvSpPr>
+          <p:cNvPr id="4" name="Slide Number Placeholder 3"/>
+          <p:cNvSpPr>
+            <a:spLocks noGrp="1"/>
+          </p:cNvSpPr>
+          <p:nvPr>
+            <p:ph type="sldNum" sz="quarter" idx="10"/>
+          </p:nvPr>
+        </p:nvSpPr>
+        <p:spPr/>
+        <p:txBody>
+          <a:bodyPr/>
+          <a:lstStyle/>
+          <a:p>
+            <a:fld id="{723B45EE-AF0F-4566-84E6-937F0AB40E53}" type="slidenum">
+              <a:rPr lang="en-GB" smtClean="0"/>
+              <a:t>14</a:t>
+            </a:fld>
+            <a:endParaRPr lang="en-GB"/>
+          </a:p>
+        </p:txBody>
+      </p:sp>
+    </p:spTree>
+    <p:extLst>
+      <p:ext uri="{BB962C8B-B14F-4D97-AF65-F5344CB8AC3E}">
+        <p14:creationId xmlns:p14="http://schemas.microsoft.com/office/powerpoint/2010/main" val="2408779161"/>
       </p:ext>
     </p:extLst>
   </p:cSld>
@@ -1375,7 +1565,7 @@
           <a:p>
             <a:fld id="{8C2DC95F-4758-45CC-8E65-674D23536E7F}" type="datetimeFigureOut">
               <a:rPr lang="en-GB" smtClean="0"/>
-              <a:t>11/10/2016</a:t>
+              <a:t>12/10/2016</a:t>
             </a:fld>
             <a:endParaRPr lang="en-GB"/>
           </a:p>
@@ -1585,7 +1775,7 @@
           <a:p>
             <a:fld id="{8C2DC95F-4758-45CC-8E65-674D23536E7F}" type="datetimeFigureOut">
               <a:rPr lang="en-GB" smtClean="0"/>
-              <a:t>11/10/2016</a:t>
+              <a:t>12/10/2016</a:t>
             </a:fld>
             <a:endParaRPr lang="en-GB"/>
           </a:p>
@@ -1795,7 +1985,7 @@
           <a:p>
             <a:fld id="{8C2DC95F-4758-45CC-8E65-674D23536E7F}" type="datetimeFigureOut">
               <a:rPr lang="en-GB" smtClean="0"/>
-              <a:t>11/10/2016</a:t>
+              <a:t>12/10/2016</a:t>
             </a:fld>
             <a:endParaRPr lang="en-GB"/>
           </a:p>
@@ -2071,7 +2261,7 @@
           <a:p>
             <a:fld id="{8C2DC95F-4758-45CC-8E65-674D23536E7F}" type="datetimeFigureOut">
               <a:rPr lang="en-GB" smtClean="0"/>
-              <a:t>11/10/2016</a:t>
+              <a:t>12/10/2016</a:t>
             </a:fld>
             <a:endParaRPr lang="en-GB"/>
           </a:p>
@@ -2341,7 +2531,7 @@
           <a:p>
             <a:fld id="{8C2DC95F-4758-45CC-8E65-674D23536E7F}" type="datetimeFigureOut">
               <a:rPr lang="en-GB" smtClean="0"/>
-              <a:t>11/10/2016</a:t>
+              <a:t>12/10/2016</a:t>
             </a:fld>
             <a:endParaRPr lang="en-GB"/>
           </a:p>
@@ -2747,7 +2937,7 @@
           <a:p>
             <a:fld id="{8C2DC95F-4758-45CC-8E65-674D23536E7F}" type="datetimeFigureOut">
               <a:rPr lang="en-GB" smtClean="0"/>
-              <a:t>11/10/2016</a:t>
+              <a:t>12/10/2016</a:t>
             </a:fld>
             <a:endParaRPr lang="en-GB"/>
           </a:p>
@@ -2897,7 +3087,7 @@
           <a:p>
             <a:fld id="{8C2DC95F-4758-45CC-8E65-674D23536E7F}" type="datetimeFigureOut">
               <a:rPr lang="en-GB" smtClean="0"/>
-              <a:t>11/10/2016</a:t>
+              <a:t>12/10/2016</a:t>
             </a:fld>
             <a:endParaRPr lang="en-GB"/>
           </a:p>
@@ -3016,7 +3206,7 @@
           <a:p>
             <a:fld id="{8C2DC95F-4758-45CC-8E65-674D23536E7F}" type="datetimeFigureOut">
               <a:rPr lang="en-GB" smtClean="0"/>
-              <a:t>11/10/2016</a:t>
+              <a:t>12/10/2016</a:t>
             </a:fld>
             <a:endParaRPr lang="en-GB"/>
           </a:p>
@@ -3326,7 +3516,7 @@
           <a:p>
             <a:fld id="{8C2DC95F-4758-45CC-8E65-674D23536E7F}" type="datetimeFigureOut">
               <a:rPr lang="en-GB" smtClean="0"/>
-              <a:t>11/10/2016</a:t>
+              <a:t>12/10/2016</a:t>
             </a:fld>
             <a:endParaRPr lang="en-GB"/>
           </a:p>
@@ -3616,7 +3806,7 @@
           <a:p>
             <a:fld id="{8C2DC95F-4758-45CC-8E65-674D23536E7F}" type="datetimeFigureOut">
               <a:rPr lang="en-GB" smtClean="0"/>
-              <a:t>11/10/2016</a:t>
+              <a:t>12/10/2016</a:t>
             </a:fld>
             <a:endParaRPr lang="en-GB"/>
           </a:p>
@@ -4684,16 +4874,17 @@
           <a:p>
             <a:r>
               <a:rPr lang="en-GB" dirty="0" smtClean="0"/>
-              <a:t>Monte-</a:t>
-            </a:r>
-            <a:r>
-              <a:rPr lang="en-GB" dirty="0" err="1" smtClean="0"/>
-              <a:t>carlo</a:t>
-            </a:r>
-            <a:r>
-              <a:rPr lang="en-GB" dirty="0" smtClean="0"/>
-              <a:t>?</a:t>
-            </a:r>
+              <a:t>Monte Carlo</a:t>
+            </a:r>
+            <a:r>
+              <a:rPr lang="en-GB" dirty="0"/>
+              <a:t> </a:t>
+            </a:r>
+            <a:r>
+              <a:rPr lang="en-GB" smtClean="0"/>
+              <a:t>tree search</a:t>
+            </a:r>
+            <a:endParaRPr lang="en-GB" dirty="0" smtClean="0"/>
           </a:p>
           <a:p>
             <a:endParaRPr lang="en-GB" dirty="0"/>
@@ -4997,17 +5188,15 @@
               <a:rPr lang="en-GB" dirty="0" smtClean="0"/>
               <a:t>Play against the server</a:t>
             </a:r>
+          </a:p>
+          <a:p>
             <a:endParaRPr lang="en-GB" dirty="0" smtClean="0"/>
           </a:p>
           <a:p>
-            <a:endParaRPr lang="en-GB" dirty="0" smtClean="0"/>
-          </a:p>
-          <a:p>
             <a:r>
               <a:rPr lang="en-GB" dirty="0" smtClean="0"/>
               <a:t>Show / Contest?  </a:t>
             </a:r>
-            <a:endParaRPr lang="en-GB" dirty="0" smtClean="0"/>
           </a:p>
           <a:p>
             <a:endParaRPr lang="en-GB" dirty="0" smtClean="0"/>
@@ -5117,17 +5306,8 @@
           <a:p>
             <a:r>
               <a:rPr lang="en-GB" dirty="0" smtClean="0"/>
-              <a:t>Players </a:t>
-            </a:r>
-            <a:r>
-              <a:rPr lang="en-GB" dirty="0" smtClean="0"/>
-              <a:t>take it in turns to place a </a:t>
-            </a:r>
-            <a:r>
-              <a:rPr lang="en-GB" dirty="0" smtClean="0"/>
-              <a:t>counter into a column</a:t>
-            </a:r>
-            <a:endParaRPr lang="en-GB" dirty="0" smtClean="0"/>
+              <a:t>Players take it in turns to place a counter into a column</a:t>
+            </a:r>
           </a:p>
           <a:p>
             <a:endParaRPr lang="en-GB" dirty="0" smtClean="0"/>
@@ -5549,7 +5729,15 @@
           <a:p>
             <a:r>
               <a:rPr lang="en-GB" dirty="0" smtClean="0"/>
-              <a:t>The API calls are made using html GET and POST commands</a:t>
+              <a:t>The API calls are made using </a:t>
+            </a:r>
+            <a:r>
+              <a:rPr lang="en-GB" dirty="0" smtClean="0"/>
+              <a:t>http GET </a:t>
+            </a:r>
+            <a:r>
+              <a:rPr lang="en-GB" dirty="0" smtClean="0"/>
+              <a:t>and POST commands</a:t>
             </a:r>
           </a:p>
           <a:p>
@@ -5769,11 +5957,7 @@
           <a:p>
             <a:r>
               <a:rPr lang="en-GB" dirty="0" smtClean="0"/>
-              <a:t>The </a:t>
-            </a:r>
-            <a:r>
-              <a:rPr lang="en-GB" dirty="0" smtClean="0"/>
-              <a:t>Steps</a:t>
+              <a:t>The Steps</a:t>
             </a:r>
             <a:endParaRPr lang="en-GB" dirty="0"/>
           </a:p>
@@ -5855,11 +6039,15 @@
             </a:pPr>
             <a:r>
               <a:rPr lang="en-GB" dirty="0" smtClean="0"/>
-              <a:t>If it is your term then make </a:t>
-            </a:r>
-            <a:r>
-              <a:rPr lang="en-GB" dirty="0" smtClean="0"/>
-              <a:t>your move</a:t>
+              <a:t>If it is your </a:t>
+            </a:r>
+            <a:r>
+              <a:rPr lang="en-GB" dirty="0" smtClean="0"/>
+              <a:t>turn then </a:t>
+            </a:r>
+            <a:r>
+              <a:rPr lang="en-GB" dirty="0" smtClean="0"/>
+              <a:t>make your move</a:t>
             </a:r>
           </a:p>
           <a:p>
@@ -5967,8 +6155,13 @@
           <a:p>
             <a:r>
               <a:rPr lang="en-GB" dirty="0" smtClean="0"/>
-              <a:t>There is some example code in C# which hopefully is easy to read</a:t>
-            </a:r>
+              <a:t>There is some example code in C# </a:t>
+            </a:r>
+            <a:r>
+              <a:rPr lang="en-GB" dirty="0" smtClean="0"/>
+              <a:t>and C++</a:t>
+            </a:r>
+            <a:endParaRPr lang="en-GB" dirty="0" smtClean="0"/>
           </a:p>
           <a:p>
             <a:pPr marL="0" indent="0">
@@ -6001,15 +6194,7 @@
             </a:r>
             <a:r>
               <a:rPr lang="en-GB" dirty="0" smtClean="0"/>
-              <a:t>nd some </a:t>
-            </a:r>
-            <a:r>
-              <a:rPr lang="en-GB" dirty="0" smtClean="0"/>
-              <a:t>details in these slides </a:t>
-            </a:r>
-            <a:r>
-              <a:rPr lang="en-GB" dirty="0" smtClean="0"/>
-              <a:t>if you want to start from scratch</a:t>
+              <a:t>nd some details in these slides if you want to start from scratch</a:t>
             </a:r>
           </a:p>
           <a:p>
@@ -6018,11 +6203,7 @@
           <a:p>
             <a:r>
               <a:rPr lang="en-GB" dirty="0" smtClean="0"/>
-              <a:t>Online help (swagger</a:t>
-            </a:r>
-            <a:r>
-              <a:rPr lang="en-GB" dirty="0" smtClean="0"/>
-              <a:t>)</a:t>
+              <a:t>Online help (swagger)</a:t>
             </a:r>
           </a:p>
           <a:p>
@@ -6789,7 +6970,7 @@
           <p:nvPr/>
         </p:nvPicPr>
         <p:blipFill>
-          <a:blip r:embed="rId2"/>
+          <a:blip r:embed="rId3"/>
           <a:stretch>
             <a:fillRect/>
           </a:stretch>
@@ -6813,7 +6994,7 @@
           <p:nvPr/>
         </p:nvPicPr>
         <p:blipFill>
-          <a:blip r:embed="rId3"/>
+          <a:blip r:embed="rId4"/>
           <a:stretch>
             <a:fillRect/>
           </a:stretch>
